--- a/Fighting Hunger with Data.pptx
+++ b/Fighting Hunger with Data.pptx
@@ -9,22 +9,19 @@
     <p:sldId id="260" r:id="rId3"/>
     <p:sldId id="256" r:id="rId4"/>
     <p:sldId id="258" r:id="rId5"/>
-    <p:sldId id="261" r:id="rId6"/>
-    <p:sldId id="262" r:id="rId7"/>
-    <p:sldId id="273" r:id="rId8"/>
-    <p:sldId id="264" r:id="rId9"/>
-    <p:sldId id="272" r:id="rId10"/>
-    <p:sldId id="263" r:id="rId11"/>
-    <p:sldId id="265" r:id="rId12"/>
-    <p:sldId id="271" r:id="rId13"/>
-    <p:sldId id="266" r:id="rId14"/>
-    <p:sldId id="270" r:id="rId15"/>
-    <p:sldId id="278" r:id="rId16"/>
-    <p:sldId id="279" r:id="rId17"/>
-    <p:sldId id="268" r:id="rId18"/>
-    <p:sldId id="275" r:id="rId19"/>
-    <p:sldId id="267" r:id="rId20"/>
-    <p:sldId id="277" r:id="rId21"/>
+    <p:sldId id="280" r:id="rId6"/>
+    <p:sldId id="268" r:id="rId7"/>
+    <p:sldId id="275" r:id="rId8"/>
+    <p:sldId id="261" r:id="rId9"/>
+    <p:sldId id="263" r:id="rId10"/>
+    <p:sldId id="265" r:id="rId11"/>
+    <p:sldId id="283" r:id="rId12"/>
+    <p:sldId id="266" r:id="rId13"/>
+    <p:sldId id="270" r:id="rId14"/>
+    <p:sldId id="278" r:id="rId15"/>
+    <p:sldId id="279" r:id="rId16"/>
+    <p:sldId id="267" r:id="rId17"/>
+    <p:sldId id="277" r:id="rId18"/>
   </p:sldIdLst>
   <p:sldSz cx="12192000" cy="6858000"/>
   <p:notesSz cx="6858000" cy="9144000"/>
@@ -123,6 +120,11 @@
       </a:defRPr>
     </a:lvl9pPr>
   </p:defaultTextStyle>
+  <p:extLst>
+    <p:ext uri="{EFAFB233-063F-42B5-8137-9DF3F51BA10A}">
+      <p15:sldGuideLst xmlns:p15="http://schemas.microsoft.com/office/powerpoint/2012/main"/>
+    </p:ext>
+  </p:extLst>
 </p:presentation>
 </file>
 
@@ -4402,7 +4404,7 @@
           <a:p>
             <a:fld id="{48A87A34-81AB-432B-8DAE-1953F412C126}" type="datetimeFigureOut">
               <a:rPr lang="en-US" dirty="0"/>
-              <a:t>3/24/2018</a:t>
+              <a:t>3/27/2018</a:t>
             </a:fld>
             <a:endParaRPr lang="en-US" dirty="0"/>
           </a:p>
@@ -4664,7 +4666,7 @@
           <a:p>
             <a:fld id="{48A87A34-81AB-432B-8DAE-1953F412C126}" type="datetimeFigureOut">
               <a:rPr lang="en-US" dirty="0"/>
-              <a:t>3/24/2018</a:t>
+              <a:t>3/27/2018</a:t>
             </a:fld>
             <a:endParaRPr lang="en-US" dirty="0"/>
           </a:p>
@@ -4855,7 +4857,7 @@
           <a:p>
             <a:fld id="{48A87A34-81AB-432B-8DAE-1953F412C126}" type="datetimeFigureOut">
               <a:rPr lang="en-US" dirty="0"/>
-              <a:t>3/24/2018</a:t>
+              <a:t>3/27/2018</a:t>
             </a:fld>
             <a:endParaRPr lang="en-US" dirty="0"/>
           </a:p>
@@ -5113,7 +5115,7 @@
           <a:p>
             <a:fld id="{48A87A34-81AB-432B-8DAE-1953F412C126}" type="datetimeFigureOut">
               <a:rPr lang="en-US" dirty="0"/>
-              <a:t>3/24/2018</a:t>
+              <a:t>3/27/2018</a:t>
             </a:fld>
             <a:endParaRPr lang="en-US" dirty="0"/>
           </a:p>
@@ -5542,7 +5544,7 @@
           <a:p>
             <a:fld id="{48A87A34-81AB-432B-8DAE-1953F412C126}" type="datetimeFigureOut">
               <a:rPr lang="en-US" dirty="0"/>
-              <a:t>3/24/2018</a:t>
+              <a:t>3/27/2018</a:t>
             </a:fld>
             <a:endParaRPr lang="en-US" dirty="0"/>
           </a:p>
@@ -6083,7 +6085,7 @@
           <a:p>
             <a:fld id="{48A87A34-81AB-432B-8DAE-1953F412C126}" type="datetimeFigureOut">
               <a:rPr lang="en-US" dirty="0"/>
-              <a:t>3/24/2018</a:t>
+              <a:t>3/27/2018</a:t>
             </a:fld>
             <a:endParaRPr lang="en-US" dirty="0"/>
           </a:p>
@@ -6798,7 +6800,7 @@
           <a:p>
             <a:fld id="{48A87A34-81AB-432B-8DAE-1953F412C126}" type="datetimeFigureOut">
               <a:rPr lang="en-US" dirty="0"/>
-              <a:t>3/24/2018</a:t>
+              <a:t>3/27/2018</a:t>
             </a:fld>
             <a:endParaRPr lang="en-US" dirty="0"/>
           </a:p>
@@ -6963,7 +6965,7 @@
           <a:p>
             <a:fld id="{48A87A34-81AB-432B-8DAE-1953F412C126}" type="datetimeFigureOut">
               <a:rPr lang="en-US" dirty="0"/>
-              <a:t>3/24/2018</a:t>
+              <a:t>3/27/2018</a:t>
             </a:fld>
             <a:endParaRPr lang="en-US" dirty="0"/>
           </a:p>
@@ -7138,7 +7140,7 @@
           <a:p>
             <a:fld id="{48A87A34-81AB-432B-8DAE-1953F412C126}" type="datetimeFigureOut">
               <a:rPr lang="en-US" dirty="0"/>
-              <a:t>3/24/2018</a:t>
+              <a:t>3/27/2018</a:t>
             </a:fld>
             <a:endParaRPr lang="en-US" dirty="0"/>
           </a:p>
@@ -7581,7 +7583,7 @@
           <a:p>
             <a:fld id="{37CC0096-1860-4642-9CD2-0079EA5E7CD1}" type="datetimeFigureOut">
               <a:rPr lang="en-US" smtClean="0"/>
-              <a:t>3/24/2018</a:t>
+              <a:t>3/27/2018</a:t>
             </a:fld>
             <a:endParaRPr lang="en-US"/>
           </a:p>
@@ -7732,7 +7734,7 @@
           <a:p>
             <a:fld id="{48A87A34-81AB-432B-8DAE-1953F412C126}" type="datetimeFigureOut">
               <a:rPr lang="en-US" dirty="0"/>
-              <a:t>3/24/2018</a:t>
+              <a:t>3/27/2018</a:t>
             </a:fld>
             <a:endParaRPr lang="en-US" dirty="0"/>
           </a:p>
@@ -8179,7 +8181,7 @@
           <a:p>
             <a:fld id="{37CC0096-1860-4642-9CD2-0079EA5E7CD1}" type="datetimeFigureOut">
               <a:rPr lang="en-US" smtClean="0"/>
-              <a:t>3/24/2018</a:t>
+              <a:t>3/27/2018</a:t>
             </a:fld>
             <a:endParaRPr lang="en-US"/>
           </a:p>
@@ -8618,7 +8620,7 @@
           <a:p>
             <a:fld id="{37CC0096-1860-4642-9CD2-0079EA5E7CD1}" type="datetimeFigureOut">
               <a:rPr lang="en-US" smtClean="0"/>
-              <a:t>3/24/2018</a:t>
+              <a:t>3/27/2018</a:t>
             </a:fld>
             <a:endParaRPr lang="en-US"/>
           </a:p>
@@ -8735,7 +8737,7 @@
           <a:p>
             <a:fld id="{37CC0096-1860-4642-9CD2-0079EA5E7CD1}" type="datetimeFigureOut">
               <a:rPr lang="en-US" smtClean="0"/>
-              <a:t>3/24/2018</a:t>
+              <a:t>3/27/2018</a:t>
             </a:fld>
             <a:endParaRPr lang="en-US"/>
           </a:p>
@@ -8830,7 +8832,7 @@
           <a:p>
             <a:fld id="{37CC0096-1860-4642-9CD2-0079EA5E7CD1}" type="datetimeFigureOut">
               <a:rPr lang="en-US" smtClean="0"/>
-              <a:t>3/24/2018</a:t>
+              <a:t>3/27/2018</a:t>
             </a:fld>
             <a:endParaRPr lang="en-US"/>
           </a:p>
@@ -9114,7 +9116,7 @@
           <a:p>
             <a:fld id="{37CC0096-1860-4642-9CD2-0079EA5E7CD1}" type="datetimeFigureOut">
               <a:rPr lang="en-US" smtClean="0"/>
-              <a:t>3/24/2018</a:t>
+              <a:t>3/27/2018</a:t>
             </a:fld>
             <a:endParaRPr lang="en-US"/>
           </a:p>
@@ -9425,7 +9427,7 @@
           <a:p>
             <a:fld id="{37CC0096-1860-4642-9CD2-0079EA5E7CD1}" type="datetimeFigureOut">
               <a:rPr lang="en-US" smtClean="0"/>
-              <a:t>3/24/2018</a:t>
+              <a:t>3/27/2018</a:t>
             </a:fld>
             <a:endParaRPr lang="en-US"/>
           </a:p>
@@ -9594,7 +9596,7 @@
           <a:p>
             <a:fld id="{37CC0096-1860-4642-9CD2-0079EA5E7CD1}" type="datetimeFigureOut">
               <a:rPr lang="en-US" smtClean="0"/>
-              <a:t>3/24/2018</a:t>
+              <a:t>3/27/2018</a:t>
             </a:fld>
             <a:endParaRPr lang="en-US"/>
           </a:p>
@@ -9773,7 +9775,7 @@
           <a:p>
             <a:fld id="{37CC0096-1860-4642-9CD2-0079EA5E7CD1}" type="datetimeFigureOut">
               <a:rPr lang="en-US" smtClean="0"/>
-              <a:t>3/24/2018</a:t>
+              <a:t>3/27/2018</a:t>
             </a:fld>
             <a:endParaRPr lang="en-US"/>
           </a:p>
@@ -10004,7 +10006,7 @@
           <a:p>
             <a:fld id="{48A87A34-81AB-432B-8DAE-1953F412C126}" type="datetimeFigureOut">
               <a:rPr lang="en-US" dirty="0"/>
-              <a:t>3/24/2018</a:t>
+              <a:t>3/27/2018</a:t>
             </a:fld>
             <a:endParaRPr lang="en-US" dirty="0"/>
           </a:p>
@@ -10231,7 +10233,7 @@
           <a:p>
             <a:fld id="{48A87A34-81AB-432B-8DAE-1953F412C126}" type="datetimeFigureOut">
               <a:rPr lang="en-US" dirty="0"/>
-              <a:t>3/24/2018</a:t>
+              <a:t>3/27/2018</a:t>
             </a:fld>
             <a:endParaRPr lang="en-US" dirty="0"/>
           </a:p>
@@ -10607,7 +10609,7 @@
           <a:p>
             <a:fld id="{48A87A34-81AB-432B-8DAE-1953F412C126}" type="datetimeFigureOut">
               <a:rPr lang="en-US" dirty="0"/>
-              <a:t>3/24/2018</a:t>
+              <a:t>3/27/2018</a:t>
             </a:fld>
             <a:endParaRPr lang="en-US" dirty="0"/>
           </a:p>
@@ -10720,7 +10722,7 @@
           <a:p>
             <a:fld id="{48A87A34-81AB-432B-8DAE-1953F412C126}" type="datetimeFigureOut">
               <a:rPr lang="en-US" dirty="0"/>
-              <a:t>3/24/2018</a:t>
+              <a:t>3/27/2018</a:t>
             </a:fld>
             <a:endParaRPr lang="en-US" dirty="0"/>
           </a:p>
@@ -10810,7 +10812,7 @@
           <a:p>
             <a:fld id="{48A87A34-81AB-432B-8DAE-1953F412C126}" type="datetimeFigureOut">
               <a:rPr lang="en-US" dirty="0"/>
-              <a:t>3/24/2018</a:t>
+              <a:t>3/27/2018</a:t>
             </a:fld>
             <a:endParaRPr lang="en-US" dirty="0"/>
           </a:p>
@@ -11054,7 +11056,7 @@
           <a:p>
             <a:fld id="{48A87A34-81AB-432B-8DAE-1953F412C126}" type="datetimeFigureOut">
               <a:rPr lang="en-US" dirty="0"/>
-              <a:t>3/24/2018</a:t>
+              <a:t>3/27/2018</a:t>
             </a:fld>
             <a:endParaRPr lang="en-US" dirty="0"/>
           </a:p>
@@ -11329,7 +11331,7 @@
           <a:p>
             <a:fld id="{48A87A34-81AB-432B-8DAE-1953F412C126}" type="datetimeFigureOut">
               <a:rPr lang="en-US" dirty="0"/>
-              <a:t>3/24/2018</a:t>
+              <a:t>3/27/2018</a:t>
             </a:fld>
             <a:endParaRPr lang="en-US" dirty="0"/>
           </a:p>
@@ -14402,7 +14404,7 @@
             <a:fld id="{48A87A34-81AB-432B-8DAE-1953F412C126}" type="datetimeFigureOut">
               <a:rPr lang="en-US" dirty="0"/>
               <a:pPr/>
-              <a:t>3/24/2018</a:t>
+              <a:t>3/27/2018</a:t>
             </a:fld>
             <a:endParaRPr lang="en-US" dirty="0"/>
           </a:p>
@@ -14991,7 +14993,7 @@
             <a:fld id="{37CC0096-1860-4642-9CD2-0079EA5E7CD1}" type="datetimeFigureOut">
               <a:rPr lang="en-US" smtClean="0"/>
               <a:pPr/>
-              <a:t>3/24/2018</a:t>
+              <a:t>3/27/2018</a:t>
             </a:fld>
             <a:endParaRPr lang="en-US"/>
           </a:p>
@@ -15425,19 +15427,33 @@
         </p:nvSpPr>
         <p:spPr>
           <a:xfrm>
-            <a:off x="1066800" y="2705100"/>
+            <a:off x="1066800" y="3260683"/>
             <a:ext cx="10058400" cy="1447800"/>
           </a:xfrm>
         </p:spPr>
         <p:txBody>
-          <a:bodyPr/>
+          <a:bodyPr>
+            <a:normAutofit/>
+          </a:bodyPr>
           <a:lstStyle/>
           <a:p>
-            <a:r>
-              <a:rPr lang="en-US" dirty="0"/>
-              <a:t>Fighting Hunger with Data</a:t>
-            </a:r>
-            <a:endParaRPr dirty="0"/>
+            <a:pPr algn="ctr">
+              <a:lnSpc>
+                <a:spcPct val="100000"/>
+              </a:lnSpc>
+            </a:pPr>
+            <a:r>
+              <a:rPr lang="en-US" sz="3600" dirty="0"/>
+              <a:t>Fighting Hunger with Data in NYC </a:t>
+            </a:r>
+            <a:br>
+              <a:rPr lang="en-US" sz="3600" dirty="0"/>
+            </a:br>
+            <a:r>
+              <a:rPr lang="en-US" sz="3200" dirty="0"/>
+              <a:t>(Bon Appetit!)</a:t>
+            </a:r>
+            <a:endParaRPr sz="3200" dirty="0"/>
           </a:p>
         </p:txBody>
       </p:sp>
@@ -15493,6 +15509,53 @@
           </a:p>
         </p:txBody>
       </p:sp>
+      <p:pic>
+        <p:nvPicPr>
+          <p:cNvPr id="1028" name="Picture 4" descr="Image result for Picture of NYC">
+            <a:extLst>
+              <a:ext uri="{FF2B5EF4-FFF2-40B4-BE49-F238E27FC236}">
+                <a16:creationId xmlns:a16="http://schemas.microsoft.com/office/drawing/2014/main" id="{D577C713-FE77-4704-B8E0-7C1CB4097A37}"/>
+              </a:ext>
+            </a:extLst>
+          </p:cNvPr>
+          <p:cNvPicPr>
+            <a:picLocks noChangeAspect="1" noChangeArrowheads="1"/>
+          </p:cNvPicPr>
+          <p:nvPr/>
+        </p:nvPicPr>
+        <p:blipFill>
+          <a:blip r:embed="rId2">
+            <a:extLst>
+              <a:ext uri="{28A0092B-C50C-407E-A947-70E740481C1C}">
+                <a14:useLocalDpi xmlns:a14="http://schemas.microsoft.com/office/drawing/2010/main" val="0"/>
+              </a:ext>
+            </a:extLst>
+          </a:blip>
+          <a:srcRect/>
+          <a:stretch>
+            <a:fillRect/>
+          </a:stretch>
+        </p:blipFill>
+        <p:spPr bwMode="auto">
+          <a:xfrm>
+            <a:off x="7870785" y="1"/>
+            <a:ext cx="4321214" cy="2859858"/>
+          </a:xfrm>
+          <a:prstGeom prst="rect">
+            <a:avLst/>
+          </a:prstGeom>
+          <a:noFill/>
+          <a:extLst>
+            <a:ext uri="{909E8E84-426E-40DD-AFC4-6F175D3DCCD1}">
+              <a14:hiddenFill xmlns:a14="http://schemas.microsoft.com/office/drawing/2010/main">
+                <a:solidFill>
+                  <a:srgbClr val="FFFFFF"/>
+                </a:solidFill>
+              </a14:hiddenFill>
+            </a:ext>
+          </a:extLst>
+        </p:spPr>
+      </p:pic>
     </p:spTree>
     <p:extLst>
       <p:ext uri="{BB962C8B-B14F-4D97-AF65-F5344CB8AC3E}">
@@ -15507,131 +15570,6 @@
 </file>
 
 <file path=ppt/slides/slide10.xml><?xml version="1.0" encoding="utf-8"?>
-<p:sld xmlns:a="http://schemas.openxmlformats.org/drawingml/2006/main" xmlns:r="http://schemas.openxmlformats.org/officeDocument/2006/relationships" xmlns:p="http://schemas.openxmlformats.org/presentationml/2006/main">
-  <p:cSld>
-    <p:bg>
-      <p:bgPr>
-        <a:blipFill>
-          <a:blip r:embed="rId2">
-            <a:grayscl/>
-            <a:extLst>
-              <a:ext uri="{BEBA8EAE-BF5A-486C-A8C5-ECC9F3942E4B}">
-                <a14:imgProps xmlns:a14="http://schemas.microsoft.com/office/drawing/2010/main">
-                  <a14:imgLayer r:embed="rId3">
-                    <a14:imgEffect>
-                      <a14:artisticPhotocopy/>
-                    </a14:imgEffect>
-                    <a14:imgEffect>
-                      <a14:saturation sat="0"/>
-                    </a14:imgEffect>
-                  </a14:imgLayer>
-                </a14:imgProps>
-              </a:ext>
-            </a:extLst>
-          </a:blip>
-          <a:stretch/>
-        </a:blipFill>
-        <a:effectLst/>
-      </p:bgPr>
-    </p:bg>
-    <p:spTree>
-      <p:nvGrpSpPr>
-        <p:cNvPr id="1" name=""/>
-        <p:cNvGrpSpPr/>
-        <p:nvPr/>
-      </p:nvGrpSpPr>
-      <p:grpSpPr>
-        <a:xfrm>
-          <a:off x="0" y="0"/>
-          <a:ext cx="0" cy="0"/>
-          <a:chOff x="0" y="0"/>
-          <a:chExt cx="0" cy="0"/>
-        </a:xfrm>
-      </p:grpSpPr>
-      <p:sp>
-        <p:nvSpPr>
-          <p:cNvPr id="2" name="Title 1">
-            <a:extLst>
-              <a:ext uri="{FF2B5EF4-FFF2-40B4-BE49-F238E27FC236}">
-                <a16:creationId xmlns:a16="http://schemas.microsoft.com/office/drawing/2014/main" id="{A73FFF28-D4B4-4985-8B94-69FB7D5E5CD9}"/>
-              </a:ext>
-            </a:extLst>
-          </p:cNvPr>
-          <p:cNvSpPr>
-            <a:spLocks noGrp="1"/>
-          </p:cNvSpPr>
-          <p:nvPr>
-            <p:ph type="ctrTitle"/>
-          </p:nvPr>
-        </p:nvSpPr>
-        <p:spPr>
-          <a:xfrm>
-            <a:off x="1561259" y="234826"/>
-            <a:ext cx="9069482" cy="1371881"/>
-          </a:xfrm>
-        </p:spPr>
-        <p:txBody>
-          <a:bodyPr>
-            <a:normAutofit fontScale="90000"/>
-          </a:bodyPr>
-          <a:lstStyle/>
-          <a:p>
-            <a:pPr algn="ctr"/>
-            <a:r>
-              <a:rPr lang="en-US" dirty="0">
-                <a:solidFill>
-                  <a:schemeClr val="bg1"/>
-                </a:solidFill>
-              </a:rPr>
-              <a:t>Exploratory Restaurant Navigation</a:t>
-            </a:r>
-          </a:p>
-        </p:txBody>
-      </p:sp>
-      <p:pic>
-        <p:nvPicPr>
-          <p:cNvPr id="3" name="Picture 2">
-            <a:extLst>
-              <a:ext uri="{FF2B5EF4-FFF2-40B4-BE49-F238E27FC236}">
-                <a16:creationId xmlns:a16="http://schemas.microsoft.com/office/drawing/2014/main" id="{99DB8807-1B3F-4868-BEC9-35D5BF16DE27}"/>
-              </a:ext>
-            </a:extLst>
-          </p:cNvPr>
-          <p:cNvPicPr>
-            <a:picLocks noChangeAspect="1"/>
-          </p:cNvPicPr>
-          <p:nvPr/>
-        </p:nvPicPr>
-        <p:blipFill>
-          <a:blip r:embed="rId4"/>
-          <a:stretch>
-            <a:fillRect/>
-          </a:stretch>
-        </p:blipFill>
-        <p:spPr>
-          <a:xfrm>
-            <a:off x="2897000" y="1647048"/>
-            <a:ext cx="6397999" cy="5050305"/>
-          </a:xfrm>
-          <a:prstGeom prst="rect">
-            <a:avLst/>
-          </a:prstGeom>
-        </p:spPr>
-      </p:pic>
-    </p:spTree>
-    <p:extLst>
-      <p:ext uri="{BB962C8B-B14F-4D97-AF65-F5344CB8AC3E}">
-        <p14:creationId xmlns:p14="http://schemas.microsoft.com/office/powerpoint/2010/main" val="1609303345"/>
-      </p:ext>
-    </p:extLst>
-  </p:cSld>
-  <p:clrMapOvr>
-    <a:masterClrMapping/>
-  </p:clrMapOvr>
-</p:sld>
-</file>
-
-<file path=ppt/slides/slide11.xml><?xml version="1.0" encoding="utf-8"?>
 <p:sld xmlns:a="http://schemas.openxmlformats.org/drawingml/2006/main" xmlns:r="http://schemas.openxmlformats.org/officeDocument/2006/relationships" xmlns:p="http://schemas.openxmlformats.org/presentationml/2006/main">
   <p:cSld>
     <p:bg>
@@ -15681,7 +15619,12 @@
             <p:ph type="title"/>
           </p:nvPr>
         </p:nvSpPr>
-        <p:spPr/>
+        <p:spPr>
+          <a:xfrm>
+            <a:off x="1141412" y="94129"/>
+            <a:ext cx="9905998" cy="1478570"/>
+          </a:xfrm>
+        </p:spPr>
         <p:txBody>
           <a:bodyPr/>
           <a:lstStyle/>
@@ -15713,36 +15656,279 @@
             <p:ph idx="1"/>
           </p:nvPr>
         </p:nvSpPr>
-        <p:spPr/>
-        <p:txBody>
-          <a:bodyPr/>
+        <p:spPr>
+          <a:xfrm>
+            <a:off x="1141412" y="1066799"/>
+            <a:ext cx="10624764" cy="4724402"/>
+          </a:xfrm>
+        </p:spPr>
+        <p:txBody>
+          <a:bodyPr>
+            <a:normAutofit/>
+          </a:bodyPr>
           <a:lstStyle/>
           <a:p>
             <a:r>
               <a:rPr lang="en-US" dirty="0">
                 <a:solidFill>
-                  <a:srgbClr val="FF0000"/>
+                  <a:schemeClr val="bg1"/>
                 </a:solidFill>
               </a:rPr>
-              <a:t>PLACEHOLDER FOR A COUPLE OF TREVOR’S CODE BLOCKS</a:t>
-            </a:r>
-          </a:p>
-          <a:p>
+              <a:t>We utilized a Bi-level Partition code (</a:t>
+            </a:r>
             <a:r>
               <a:rPr lang="en-US" dirty="0">
                 <a:solidFill>
-                  <a:srgbClr val="FF0000"/>
+                  <a:schemeClr val="bg1"/>
+                </a:solidFill>
+                <a:hlinkClick r:id="rId3"/>
+              </a:rPr>
+              <a:t>found here</a:t>
+            </a:r>
+            <a:r>
+              <a:rPr lang="en-US" dirty="0">
+                <a:solidFill>
+                  <a:schemeClr val="bg1"/>
                 </a:solidFill>
               </a:rPr>
-              <a:t>Suggestion: show some user interactivity code and code for launching yelp on business name click</a:t>
-            </a:r>
-          </a:p>
-        </p:txBody>
-      </p:sp>
+              <a:t>) as the base of our code. Manipulating this code presented 3 unique challenges.</a:t>
+            </a:r>
+          </a:p>
+          <a:p>
+            <a:pPr lvl="1"/>
+            <a:r>
+              <a:rPr lang="en-US" dirty="0">
+                <a:solidFill>
+                  <a:schemeClr val="bg1"/>
+                </a:solidFill>
+              </a:rPr>
+              <a:t>Extracting data from a csv</a:t>
+            </a:r>
+          </a:p>
+          <a:p>
+            <a:pPr lvl="1"/>
+            <a:endParaRPr lang="en-US" dirty="0">
+              <a:solidFill>
+                <a:schemeClr val="bg1"/>
+              </a:solidFill>
+            </a:endParaRPr>
+          </a:p>
+          <a:p>
+            <a:pPr marL="457200" lvl="1" indent="0">
+              <a:buNone/>
+            </a:pPr>
+            <a:endParaRPr lang="en-US" dirty="0">
+              <a:solidFill>
+                <a:schemeClr val="bg1"/>
+              </a:solidFill>
+            </a:endParaRPr>
+          </a:p>
+          <a:p>
+            <a:pPr lvl="1"/>
+            <a:r>
+              <a:rPr lang="en-US" dirty="0">
+                <a:solidFill>
+                  <a:schemeClr val="bg1"/>
+                </a:solidFill>
+              </a:rPr>
+              <a:t>Formatting it into a usable interface.</a:t>
+            </a:r>
+          </a:p>
+          <a:p>
+            <a:pPr marL="457200" lvl="1" indent="0">
+              <a:buNone/>
+            </a:pPr>
+            <a:endParaRPr lang="en-US" dirty="0">
+              <a:solidFill>
+                <a:schemeClr val="bg1"/>
+              </a:solidFill>
+            </a:endParaRPr>
+          </a:p>
+          <a:p>
+            <a:pPr marL="457200" lvl="1" indent="0">
+              <a:buNone/>
+            </a:pPr>
+            <a:endParaRPr lang="en-US" dirty="0">
+              <a:solidFill>
+                <a:schemeClr val="bg1"/>
+              </a:solidFill>
+            </a:endParaRPr>
+          </a:p>
+          <a:p>
+            <a:pPr lvl="1"/>
+            <a:endParaRPr lang="en-US" dirty="0">
+              <a:solidFill>
+                <a:schemeClr val="bg1"/>
+              </a:solidFill>
+            </a:endParaRPr>
+          </a:p>
+          <a:p>
+            <a:pPr lvl="1"/>
+            <a:r>
+              <a:rPr lang="en-US" dirty="0">
+                <a:solidFill>
+                  <a:schemeClr val="bg1"/>
+                </a:solidFill>
+              </a:rPr>
+              <a:t>Providing onclick functionality to at end of parent-children chain.</a:t>
+            </a:r>
+          </a:p>
+          <a:p>
+            <a:pPr marL="0" indent="0">
+              <a:buNone/>
+            </a:pPr>
+            <a:endParaRPr lang="en-US" dirty="0">
+              <a:solidFill>
+                <a:srgbClr val="FF0000"/>
+              </a:solidFill>
+            </a:endParaRPr>
+          </a:p>
+        </p:txBody>
+      </p:sp>
+      <p:pic>
+        <p:nvPicPr>
+          <p:cNvPr id="8" name="Picture 7">
+            <a:extLst>
+              <a:ext uri="{FF2B5EF4-FFF2-40B4-BE49-F238E27FC236}">
+                <a16:creationId xmlns:a16="http://schemas.microsoft.com/office/drawing/2014/main" id="{7E6C35AA-1A4D-4CAF-BCFD-A82C98462A38}"/>
+              </a:ext>
+            </a:extLst>
+          </p:cNvPr>
+          <p:cNvPicPr>
+            <a:picLocks noChangeAspect="1"/>
+          </p:cNvPicPr>
+          <p:nvPr/>
+        </p:nvPicPr>
+        <p:blipFill rotWithShape="1">
+          <a:blip r:embed="rId4"/>
+          <a:srcRect l="-197" t="56186" r="66898" b="22254"/>
+          <a:stretch/>
+        </p:blipFill>
+        <p:spPr>
+          <a:xfrm>
+            <a:off x="2757094" y="5379430"/>
+            <a:ext cx="4043966" cy="1478570"/>
+          </a:xfrm>
+          <a:prstGeom prst="rect">
+            <a:avLst/>
+          </a:prstGeom>
+          <a:ln>
+            <a:noFill/>
+          </a:ln>
+          <a:effectLst>
+            <a:softEdge rad="112500"/>
+          </a:effectLst>
+        </p:spPr>
+      </p:pic>
+      <p:pic>
+        <p:nvPicPr>
+          <p:cNvPr id="11" name="Picture 10">
+            <a:extLst>
+              <a:ext uri="{FF2B5EF4-FFF2-40B4-BE49-F238E27FC236}">
+                <a16:creationId xmlns:a16="http://schemas.microsoft.com/office/drawing/2014/main" id="{C8F18233-3DDD-4D54-8C34-0200DF12AACD}"/>
+              </a:ext>
+            </a:extLst>
+          </p:cNvPr>
+          <p:cNvPicPr>
+            <a:picLocks noChangeAspect="1"/>
+          </p:cNvPicPr>
+          <p:nvPr/>
+        </p:nvPicPr>
+        <p:blipFill rotWithShape="1">
+          <a:blip r:embed="rId5"/>
+          <a:srcRect l="12537" t="58235" r="50013" b="15556"/>
+          <a:stretch/>
+        </p:blipFill>
+        <p:spPr>
+          <a:xfrm>
+            <a:off x="2100635" y="3595813"/>
+            <a:ext cx="3741202" cy="1478571"/>
+          </a:xfrm>
+          <a:prstGeom prst="rect">
+            <a:avLst/>
+          </a:prstGeom>
+          <a:ln>
+            <a:noFill/>
+          </a:ln>
+          <a:effectLst>
+            <a:softEdge rad="112500"/>
+          </a:effectLst>
+        </p:spPr>
+      </p:pic>
+      <p:pic>
+        <p:nvPicPr>
+          <p:cNvPr id="12" name="Picture 11">
+            <a:extLst>
+              <a:ext uri="{FF2B5EF4-FFF2-40B4-BE49-F238E27FC236}">
+                <a16:creationId xmlns:a16="http://schemas.microsoft.com/office/drawing/2014/main" id="{02B99A4B-C1E1-484E-B3E5-D14C7423D1B5}"/>
+              </a:ext>
+            </a:extLst>
+          </p:cNvPr>
+          <p:cNvPicPr>
+            <a:picLocks noChangeAspect="1"/>
+          </p:cNvPicPr>
+          <p:nvPr/>
+        </p:nvPicPr>
+        <p:blipFill rotWithShape="1">
+          <a:blip r:embed="rId5"/>
+          <a:srcRect l="4343" t="13922" r="58009" b="53726"/>
+          <a:stretch/>
+        </p:blipFill>
+        <p:spPr>
+          <a:xfrm>
+            <a:off x="4954913" y="1997495"/>
+            <a:ext cx="4640349" cy="1478569"/>
+          </a:xfrm>
+          <a:prstGeom prst="rect">
+            <a:avLst/>
+          </a:prstGeom>
+          <a:ln>
+            <a:noFill/>
+          </a:ln>
+          <a:effectLst>
+            <a:softEdge rad="112500"/>
+          </a:effectLst>
+        </p:spPr>
+      </p:pic>
+      <p:pic>
+        <p:nvPicPr>
+          <p:cNvPr id="13" name="Picture 12">
+            <a:extLst>
+              <a:ext uri="{FF2B5EF4-FFF2-40B4-BE49-F238E27FC236}">
+                <a16:creationId xmlns:a16="http://schemas.microsoft.com/office/drawing/2014/main" id="{645A4891-1C4E-4A00-8756-3ED265BCB6AC}"/>
+              </a:ext>
+            </a:extLst>
+          </p:cNvPr>
+          <p:cNvPicPr>
+            <a:picLocks noChangeAspect="1"/>
+          </p:cNvPicPr>
+          <p:nvPr/>
+        </p:nvPicPr>
+        <p:blipFill rotWithShape="1">
+          <a:blip r:embed="rId6"/>
+          <a:srcRect l="8032" t="18595" r="59257" b="52135"/>
+          <a:stretch/>
+        </p:blipFill>
+        <p:spPr>
+          <a:xfrm>
+            <a:off x="6801060" y="3595812"/>
+            <a:ext cx="3637571" cy="1478571"/>
+          </a:xfrm>
+          <a:prstGeom prst="rect">
+            <a:avLst/>
+          </a:prstGeom>
+          <a:ln>
+            <a:noFill/>
+          </a:ln>
+          <a:effectLst>
+            <a:softEdge rad="112500"/>
+          </a:effectLst>
+        </p:spPr>
+      </p:pic>
     </p:spTree>
     <p:extLst>
       <p:ext uri="{BB962C8B-B14F-4D97-AF65-F5344CB8AC3E}">
-        <p14:creationId xmlns:p14="http://schemas.microsoft.com/office/powerpoint/2010/main" val="3419794235"/>
+        <p14:creationId xmlns:p14="http://schemas.microsoft.com/office/powerpoint/2010/main" val="147696249"/>
       </p:ext>
     </p:extLst>
   </p:cSld>
@@ -15752,7 +15938,7 @@
 </p:sld>
 </file>
 
-<file path=ppt/slides/slide12.xml><?xml version="1.0" encoding="utf-8"?>
+<file path=ppt/slides/slide11.xml><?xml version="1.0" encoding="utf-8"?>
 <p:sld xmlns:a="http://schemas.openxmlformats.org/drawingml/2006/main" xmlns:r="http://schemas.openxmlformats.org/officeDocument/2006/relationships" xmlns:p="http://schemas.openxmlformats.org/presentationml/2006/main">
   <p:cSld>
     <p:bg>
@@ -15876,7 +16062,7 @@
 </p:sld>
 </file>
 
-<file path=ppt/slides/slide13.xml><?xml version="1.0" encoding="utf-8"?>
+<file path=ppt/slides/slide12.xml><?xml version="1.0" encoding="utf-8"?>
 <p:sld xmlns:a="http://schemas.openxmlformats.org/drawingml/2006/main" xmlns:r="http://schemas.openxmlformats.org/officeDocument/2006/relationships" xmlns:p="http://schemas.openxmlformats.org/presentationml/2006/main">
   <p:cSld>
     <p:bg>
@@ -15926,9 +16112,16 @@
             <p:ph type="title"/>
           </p:nvPr>
         </p:nvSpPr>
-        <p:spPr/>
-        <p:txBody>
-          <a:bodyPr/>
+        <p:spPr>
+          <a:xfrm>
+            <a:off x="304800" y="83530"/>
+            <a:ext cx="10742610" cy="1478570"/>
+          </a:xfrm>
+        </p:spPr>
+        <p:txBody>
+          <a:bodyPr>
+            <a:normAutofit fontScale="90000"/>
+          </a:bodyPr>
           <a:lstStyle/>
           <a:p>
             <a:r>
@@ -15937,17 +16130,169 @@
                   <a:schemeClr val="bg1"/>
                 </a:solidFill>
               </a:rPr>
-              <a:t>Translating the Data</a:t>
-            </a:r>
-          </a:p>
-        </p:txBody>
-      </p:sp>
-      <p:sp>
-        <p:nvSpPr>
-          <p:cNvPr id="3" name="Content Placeholder 2">
+              <a:t>Translating		Hierarchy   			Breadcrumb</a:t>
+            </a:r>
+            <a:br>
+              <a:rPr lang="en-US" dirty="0">
+                <a:solidFill>
+                  <a:schemeClr val="bg1"/>
+                </a:solidFill>
+              </a:rPr>
+            </a:br>
+            <a:r>
+              <a:rPr lang="en-US" dirty="0">
+                <a:solidFill>
+                  <a:schemeClr val="bg1"/>
+                </a:solidFill>
+              </a:rPr>
+              <a:t>	The Data								Builder</a:t>
+            </a:r>
+          </a:p>
+        </p:txBody>
+      </p:sp>
+      <p:pic>
+        <p:nvPicPr>
+          <p:cNvPr id="4" name="Picture 3">
             <a:extLst>
               <a:ext uri="{FF2B5EF4-FFF2-40B4-BE49-F238E27FC236}">
-                <a16:creationId xmlns:a16="http://schemas.microsoft.com/office/drawing/2014/main" id="{DA4C9FEB-DEB1-401F-86EF-D39882B5D48D}"/>
+                <a16:creationId xmlns:a16="http://schemas.microsoft.com/office/drawing/2014/main" id="{0C675D89-82AC-431B-94CC-C3ECC7010921}"/>
+              </a:ext>
+            </a:extLst>
+          </p:cNvPr>
+          <p:cNvPicPr>
+            <a:picLocks noChangeAspect="1"/>
+          </p:cNvPicPr>
+          <p:nvPr/>
+        </p:nvPicPr>
+        <p:blipFill>
+          <a:blip r:embed="rId3"/>
+          <a:stretch>
+            <a:fillRect/>
+          </a:stretch>
+        </p:blipFill>
+        <p:spPr>
+          <a:xfrm>
+            <a:off x="-165100" y="1686737"/>
+            <a:ext cx="3426568" cy="5175250"/>
+          </a:xfrm>
+          <a:prstGeom prst="rect">
+            <a:avLst/>
+          </a:prstGeom>
+        </p:spPr>
+      </p:pic>
+      <p:pic>
+        <p:nvPicPr>
+          <p:cNvPr id="7" name="Picture 6">
+            <a:extLst>
+              <a:ext uri="{FF2B5EF4-FFF2-40B4-BE49-F238E27FC236}">
+                <a16:creationId xmlns:a16="http://schemas.microsoft.com/office/drawing/2014/main" id="{F5F7C075-77B2-4D28-B132-47EB7451D033}"/>
+              </a:ext>
+            </a:extLst>
+          </p:cNvPr>
+          <p:cNvPicPr>
+            <a:picLocks noChangeAspect="1"/>
+          </p:cNvPicPr>
+          <p:nvPr/>
+        </p:nvPicPr>
+        <p:blipFill>
+          <a:blip r:embed="rId4"/>
+          <a:stretch>
+            <a:fillRect/>
+          </a:stretch>
+        </p:blipFill>
+        <p:spPr>
+          <a:xfrm>
+            <a:off x="3337668" y="1688120"/>
+            <a:ext cx="4805490" cy="5175250"/>
+          </a:xfrm>
+          <a:prstGeom prst="rect">
+            <a:avLst/>
+          </a:prstGeom>
+        </p:spPr>
+      </p:pic>
+      <p:pic>
+        <p:nvPicPr>
+          <p:cNvPr id="8" name="Picture 7">
+            <a:extLst>
+              <a:ext uri="{FF2B5EF4-FFF2-40B4-BE49-F238E27FC236}">
+                <a16:creationId xmlns:a16="http://schemas.microsoft.com/office/drawing/2014/main" id="{24B39B06-77F8-4008-A524-56B7C7838CD0}"/>
+              </a:ext>
+            </a:extLst>
+          </p:cNvPr>
+          <p:cNvPicPr>
+            <a:picLocks noChangeAspect="1"/>
+          </p:cNvPicPr>
+          <p:nvPr/>
+        </p:nvPicPr>
+        <p:blipFill>
+          <a:blip r:embed="rId5"/>
+          <a:stretch>
+            <a:fillRect/>
+          </a:stretch>
+        </p:blipFill>
+        <p:spPr>
+          <a:xfrm>
+            <a:off x="8204200" y="1686737"/>
+            <a:ext cx="3848100" cy="5171263"/>
+          </a:xfrm>
+          <a:prstGeom prst="rect">
+            <a:avLst/>
+          </a:prstGeom>
+        </p:spPr>
+      </p:pic>
+    </p:spTree>
+    <p:extLst>
+      <p:ext uri="{BB962C8B-B14F-4D97-AF65-F5344CB8AC3E}">
+        <p14:creationId xmlns:p14="http://schemas.microsoft.com/office/powerpoint/2010/main" val="3294639348"/>
+      </p:ext>
+    </p:extLst>
+  </p:cSld>
+  <p:clrMapOvr>
+    <a:masterClrMapping/>
+  </p:clrMapOvr>
+</p:sld>
+</file>
+
+<file path=ppt/slides/slide13.xml><?xml version="1.0" encoding="utf-8"?>
+<p:sld xmlns:a="http://schemas.openxmlformats.org/drawingml/2006/main" xmlns:r="http://schemas.openxmlformats.org/officeDocument/2006/relationships" xmlns:p="http://schemas.openxmlformats.org/presentationml/2006/main">
+  <p:cSld>
+    <p:bg>
+      <p:bgPr>
+        <a:blipFill>
+          <a:blip r:embed="rId2">
+            <a:duotone>
+              <a:schemeClr val="accent5">
+                <a:shade val="45000"/>
+                <a:satMod val="135000"/>
+              </a:schemeClr>
+              <a:prstClr val="white"/>
+            </a:duotone>
+          </a:blip>
+          <a:stretch/>
+        </a:blipFill>
+        <a:effectLst/>
+      </p:bgPr>
+    </p:bg>
+    <p:spTree>
+      <p:nvGrpSpPr>
+        <p:cNvPr id="1" name=""/>
+        <p:cNvGrpSpPr/>
+        <p:nvPr/>
+      </p:nvGrpSpPr>
+      <p:grpSpPr>
+        <a:xfrm>
+          <a:off x="0" y="0"/>
+          <a:ext cx="0" cy="0"/>
+          <a:chOff x="0" y="0"/>
+          <a:chExt cx="0" cy="0"/>
+        </a:xfrm>
+      </p:grpSpPr>
+      <p:sp>
+        <p:nvSpPr>
+          <p:cNvPr id="2" name="Title 1">
+            <a:extLst>
+              <a:ext uri="{FF2B5EF4-FFF2-40B4-BE49-F238E27FC236}">
+                <a16:creationId xmlns:a16="http://schemas.microsoft.com/office/drawing/2014/main" id="{85CE1654-4717-433F-B95D-AAD75A92C98B}"/>
               </a:ext>
             </a:extLst>
           </p:cNvPr>
@@ -15955,10 +16300,15 @@
             <a:spLocks noGrp="1"/>
           </p:cNvSpPr>
           <p:nvPr>
-            <p:ph idx="1"/>
+            <p:ph type="title"/>
           </p:nvPr>
         </p:nvSpPr>
-        <p:spPr/>
+        <p:spPr>
+          <a:xfrm>
+            <a:off x="3434556" y="13680"/>
+            <a:ext cx="5780087" cy="1478570"/>
+          </a:xfrm>
+        </p:spPr>
         <p:txBody>
           <a:bodyPr/>
           <a:lstStyle/>
@@ -15966,35 +16316,48 @@
             <a:r>
               <a:rPr lang="en-US" dirty="0">
                 <a:solidFill>
-                  <a:srgbClr val="FF0000"/>
+                  <a:schemeClr val="bg1"/>
                 </a:solidFill>
               </a:rPr>
-              <a:t>PLACEHOLDER FOR A COUPLE OF KEVIN’S CODE BLOCKS</a:t>
-            </a:r>
-          </a:p>
-          <a:p>
-            <a:endParaRPr lang="en-US" dirty="0">
-              <a:solidFill>
-                <a:srgbClr val="FF0000"/>
-              </a:solidFill>
-            </a:endParaRPr>
-          </a:p>
-          <a:p>
-            <a:r>
-              <a:rPr lang="en-US" dirty="0">
-                <a:solidFill>
-                  <a:srgbClr val="FF0000"/>
-                </a:solidFill>
-              </a:rPr>
-              <a:t>Show build hierarchy function, python data prep, and breadcrumb builder</a:t>
-            </a:r>
-          </a:p>
-        </p:txBody>
-      </p:sp>
+              <a:t>Restaurant Mapping</a:t>
+            </a:r>
+          </a:p>
+        </p:txBody>
+      </p:sp>
+      <p:pic>
+        <p:nvPicPr>
+          <p:cNvPr id="5" name="Picture 4">
+            <a:extLst>
+              <a:ext uri="{FF2B5EF4-FFF2-40B4-BE49-F238E27FC236}">
+                <a16:creationId xmlns:a16="http://schemas.microsoft.com/office/drawing/2014/main" id="{C85FF44E-6EC2-4B5A-8FBA-536B6C4AE54A}"/>
+              </a:ext>
+            </a:extLst>
+          </p:cNvPr>
+          <p:cNvPicPr>
+            <a:picLocks noChangeAspect="1"/>
+          </p:cNvPicPr>
+          <p:nvPr/>
+        </p:nvPicPr>
+        <p:blipFill>
+          <a:blip r:embed="rId3"/>
+          <a:stretch>
+            <a:fillRect/>
+          </a:stretch>
+        </p:blipFill>
+        <p:spPr>
+          <a:xfrm>
+            <a:off x="1252537" y="1266825"/>
+            <a:ext cx="9686925" cy="5467350"/>
+          </a:xfrm>
+          <a:prstGeom prst="rect">
+            <a:avLst/>
+          </a:prstGeom>
+        </p:spPr>
+      </p:pic>
     </p:spTree>
     <p:extLst>
       <p:ext uri="{BB962C8B-B14F-4D97-AF65-F5344CB8AC3E}">
-        <p14:creationId xmlns:p14="http://schemas.microsoft.com/office/powerpoint/2010/main" val="3294639348"/>
+        <p14:creationId xmlns:p14="http://schemas.microsoft.com/office/powerpoint/2010/main" val="3648916011"/>
       </p:ext>
     </p:extLst>
   </p:cSld>
@@ -16054,7 +16417,12 @@
             <p:ph type="title"/>
           </p:nvPr>
         </p:nvSpPr>
-        <p:spPr/>
+        <p:spPr>
+          <a:xfrm>
+            <a:off x="3629817" y="-35395"/>
+            <a:ext cx="4929187" cy="1478570"/>
+          </a:xfrm>
+        </p:spPr>
         <p:txBody>
           <a:bodyPr/>
           <a:lstStyle/>
@@ -16091,220 +16459,20 @@
           <a:bodyPr/>
           <a:lstStyle/>
           <a:p>
-            <a:r>
-              <a:rPr lang="en-US" dirty="0">
-                <a:solidFill>
-                  <a:srgbClr val="FF0000"/>
-                </a:solidFill>
-              </a:rPr>
-              <a:t>Placeholder for final map picture</a:t>
-            </a:r>
-          </a:p>
-        </p:txBody>
-      </p:sp>
-    </p:spTree>
-    <p:extLst>
-      <p:ext uri="{BB962C8B-B14F-4D97-AF65-F5344CB8AC3E}">
-        <p14:creationId xmlns:p14="http://schemas.microsoft.com/office/powerpoint/2010/main" val="3648916011"/>
-      </p:ext>
-    </p:extLst>
-  </p:cSld>
-  <p:clrMapOvr>
-    <a:masterClrMapping/>
-  </p:clrMapOvr>
-</p:sld>
-</file>
-
-<file path=ppt/slides/slide15.xml><?xml version="1.0" encoding="utf-8"?>
-<p:sld xmlns:a="http://schemas.openxmlformats.org/drawingml/2006/main" xmlns:r="http://schemas.openxmlformats.org/officeDocument/2006/relationships" xmlns:p="http://schemas.openxmlformats.org/presentationml/2006/main">
-  <p:cSld>
-    <p:bg>
-      <p:bgPr>
-        <a:blipFill>
-          <a:blip r:embed="rId2">
-            <a:duotone>
-              <a:schemeClr val="accent5">
-                <a:shade val="45000"/>
-                <a:satMod val="135000"/>
-              </a:schemeClr>
-              <a:prstClr val="white"/>
-            </a:duotone>
-          </a:blip>
-          <a:stretch/>
-        </a:blipFill>
-        <a:effectLst/>
-      </p:bgPr>
-    </p:bg>
-    <p:spTree>
-      <p:nvGrpSpPr>
-        <p:cNvPr id="1" name=""/>
-        <p:cNvGrpSpPr/>
-        <p:nvPr/>
-      </p:nvGrpSpPr>
-      <p:grpSpPr>
-        <a:xfrm>
-          <a:off x="0" y="0"/>
-          <a:ext cx="0" cy="0"/>
-          <a:chOff x="0" y="0"/>
-          <a:chExt cx="0" cy="0"/>
-        </a:xfrm>
-      </p:grpSpPr>
-      <p:sp>
-        <p:nvSpPr>
-          <p:cNvPr id="2" name="Title 1">
+            <a:endParaRPr lang="en-US" dirty="0">
+              <a:solidFill>
+                <a:srgbClr val="FF0000"/>
+              </a:solidFill>
+            </a:endParaRPr>
+          </a:p>
+        </p:txBody>
+      </p:sp>
+      <p:pic>
+        <p:nvPicPr>
+          <p:cNvPr id="5" name="Picture 4">
             <a:extLst>
               <a:ext uri="{FF2B5EF4-FFF2-40B4-BE49-F238E27FC236}">
-                <a16:creationId xmlns:a16="http://schemas.microsoft.com/office/drawing/2014/main" id="{85CE1654-4717-433F-B95D-AAD75A92C98B}"/>
-              </a:ext>
-            </a:extLst>
-          </p:cNvPr>
-          <p:cNvSpPr>
-            <a:spLocks noGrp="1"/>
-          </p:cNvSpPr>
-          <p:nvPr>
-            <p:ph type="title"/>
-          </p:nvPr>
-        </p:nvSpPr>
-        <p:spPr/>
-        <p:txBody>
-          <a:bodyPr/>
-          <a:lstStyle/>
-          <a:p>
-            <a:r>
-              <a:rPr lang="en-US" dirty="0">
-                <a:solidFill>
-                  <a:schemeClr val="bg1"/>
-                </a:solidFill>
-              </a:rPr>
-              <a:t>Restaurant Mapping</a:t>
-            </a:r>
-          </a:p>
-        </p:txBody>
-      </p:sp>
-      <p:sp>
-        <p:nvSpPr>
-          <p:cNvPr id="3" name="Content Placeholder 2">
-            <a:extLst>
-              <a:ext uri="{FF2B5EF4-FFF2-40B4-BE49-F238E27FC236}">
-                <a16:creationId xmlns:a16="http://schemas.microsoft.com/office/drawing/2014/main" id="{3E211F9B-CEC4-46F9-9757-F8D6170BE2E7}"/>
-              </a:ext>
-            </a:extLst>
-          </p:cNvPr>
-          <p:cNvSpPr>
-            <a:spLocks noGrp="1"/>
-          </p:cNvSpPr>
-          <p:nvPr>
-            <p:ph idx="1"/>
-          </p:nvPr>
-        </p:nvSpPr>
-        <p:spPr/>
-        <p:txBody>
-          <a:bodyPr/>
-          <a:lstStyle/>
-          <a:p>
-            <a:r>
-              <a:rPr lang="en-US" dirty="0">
-                <a:solidFill>
-                  <a:srgbClr val="FF0000"/>
-                </a:solidFill>
-              </a:rPr>
-              <a:t>Placeholder for MAP CODE blocks</a:t>
-            </a:r>
-          </a:p>
-        </p:txBody>
-      </p:sp>
-    </p:spTree>
-    <p:extLst>
-      <p:ext uri="{BB962C8B-B14F-4D97-AF65-F5344CB8AC3E}">
-        <p14:creationId xmlns:p14="http://schemas.microsoft.com/office/powerpoint/2010/main" val="3877022139"/>
-      </p:ext>
-    </p:extLst>
-  </p:cSld>
-  <p:clrMapOvr>
-    <a:masterClrMapping/>
-  </p:clrMapOvr>
-</p:sld>
-</file>
-
-<file path=ppt/slides/slide16.xml><?xml version="1.0" encoding="utf-8"?>
-<p:sld xmlns:a="http://schemas.openxmlformats.org/drawingml/2006/main" xmlns:r="http://schemas.openxmlformats.org/officeDocument/2006/relationships" xmlns:p="http://schemas.openxmlformats.org/presentationml/2006/main">
-  <p:cSld>
-    <p:bg>
-      <p:bgPr>
-        <a:blipFill>
-          <a:blip r:embed="rId2">
-            <a:duotone>
-              <a:schemeClr val="accent6">
-                <a:shade val="45000"/>
-                <a:satMod val="135000"/>
-              </a:schemeClr>
-              <a:prstClr val="white"/>
-            </a:duotone>
-          </a:blip>
-          <a:stretch/>
-        </a:blipFill>
-        <a:effectLst/>
-      </p:bgPr>
-    </p:bg>
-    <p:spTree>
-      <p:nvGrpSpPr>
-        <p:cNvPr id="1" name=""/>
-        <p:cNvGrpSpPr/>
-        <p:nvPr/>
-      </p:nvGrpSpPr>
-      <p:grpSpPr>
-        <a:xfrm>
-          <a:off x="0" y="0"/>
-          <a:ext cx="0" cy="0"/>
-          <a:chOff x="0" y="0"/>
-          <a:chExt cx="0" cy="0"/>
-        </a:xfrm>
-      </p:grpSpPr>
-      <p:sp>
-        <p:nvSpPr>
-          <p:cNvPr id="2" name="Title 1">
-            <a:extLst>
-              <a:ext uri="{FF2B5EF4-FFF2-40B4-BE49-F238E27FC236}">
-                <a16:creationId xmlns:a16="http://schemas.microsoft.com/office/drawing/2014/main" id="{A73FFF28-D4B4-4985-8B94-69FB7D5E5CD9}"/>
-              </a:ext>
-            </a:extLst>
-          </p:cNvPr>
-          <p:cNvSpPr>
-            <a:spLocks noGrp="1"/>
-          </p:cNvSpPr>
-          <p:nvPr>
-            <p:ph type="ctrTitle"/>
-          </p:nvPr>
-        </p:nvSpPr>
-        <p:spPr>
-          <a:xfrm>
-            <a:off x="7537636" y="349343"/>
-            <a:ext cx="4228541" cy="1371881"/>
-          </a:xfrm>
-        </p:spPr>
-        <p:txBody>
-          <a:bodyPr>
-            <a:normAutofit/>
-          </a:bodyPr>
-          <a:lstStyle/>
-          <a:p>
-            <a:r>
-              <a:rPr lang="en-US" dirty="0">
-                <a:solidFill>
-                  <a:schemeClr val="bg1"/>
-                </a:solidFill>
-              </a:rPr>
-              <a:t>The old way:</a:t>
-            </a:r>
-          </a:p>
-        </p:txBody>
-      </p:sp>
-      <p:pic>
-        <p:nvPicPr>
-          <p:cNvPr id="3" name="Picture 2">
-            <a:extLst>
-              <a:ext uri="{FF2B5EF4-FFF2-40B4-BE49-F238E27FC236}">
-                <a16:creationId xmlns:a16="http://schemas.microsoft.com/office/drawing/2014/main" id="{B2307CCB-ECB1-47E9-A5AF-6B234F0D4B40}"/>
+                <a16:creationId xmlns:a16="http://schemas.microsoft.com/office/drawing/2014/main" id="{A9C5E788-B6E1-415B-817B-D68D77C86A0A}"/>
               </a:ext>
             </a:extLst>
           </p:cNvPr>
@@ -16321,132 +16489,18 @@
         </p:blipFill>
         <p:spPr>
           <a:xfrm>
-            <a:off x="0" y="0"/>
-            <a:ext cx="7014072" cy="6858000"/>
+            <a:off x="2697162" y="1443175"/>
+            <a:ext cx="8166099" cy="5414825"/>
           </a:xfrm>
           <a:prstGeom prst="rect">
             <a:avLst/>
           </a:prstGeom>
         </p:spPr>
       </p:pic>
-      <p:sp>
-        <p:nvSpPr>
-          <p:cNvPr id="4" name="TextBox 3">
-            <a:extLst>
-              <a:ext uri="{FF2B5EF4-FFF2-40B4-BE49-F238E27FC236}">
-                <a16:creationId xmlns:a16="http://schemas.microsoft.com/office/drawing/2014/main" id="{89DC5A01-EB49-46FC-91D6-4D979B419AFF}"/>
-              </a:ext>
-            </a:extLst>
-          </p:cNvPr>
-          <p:cNvSpPr txBox="1"/>
-          <p:nvPr/>
-        </p:nvSpPr>
-        <p:spPr>
-          <a:xfrm>
-            <a:off x="7174565" y="1721224"/>
-            <a:ext cx="4591612" cy="4985980"/>
-          </a:xfrm>
-          <a:prstGeom prst="rect">
-            <a:avLst/>
-          </a:prstGeom>
-          <a:noFill/>
-        </p:spPr>
-        <p:txBody>
-          <a:bodyPr wrap="square" rtlCol="0">
-            <a:spAutoFit/>
-          </a:bodyPr>
-          <a:lstStyle/>
-          <a:p>
-            <a:r>
-              <a:rPr lang="en-US" sz="2000" dirty="0">
-                <a:solidFill>
-                  <a:schemeClr val="bg1"/>
-                </a:solidFill>
-              </a:rPr>
-              <a:t>Sponsored links(ad) are listed on top, despite often being out of your search range</a:t>
-            </a:r>
-          </a:p>
-          <a:p>
-            <a:endParaRPr lang="en-US" sz="2000" dirty="0">
-              <a:solidFill>
-                <a:schemeClr val="bg1"/>
-              </a:solidFill>
-            </a:endParaRPr>
-          </a:p>
-          <a:p>
-            <a:r>
-              <a:rPr lang="en-US" sz="2000" dirty="0">
-                <a:solidFill>
-                  <a:schemeClr val="bg1"/>
-                </a:solidFill>
-              </a:rPr>
-              <a:t>Requires extremely specific search criteria</a:t>
-            </a:r>
-          </a:p>
-          <a:p>
-            <a:endParaRPr lang="en-US" sz="2000" dirty="0">
-              <a:solidFill>
-                <a:schemeClr val="bg1"/>
-              </a:solidFill>
-            </a:endParaRPr>
-          </a:p>
-          <a:p>
-            <a:r>
-              <a:rPr lang="en-US" sz="2000" dirty="0">
-                <a:solidFill>
-                  <a:schemeClr val="bg1"/>
-                </a:solidFill>
-              </a:rPr>
-              <a:t>Repetitive cycling through pages for each search</a:t>
-            </a:r>
-          </a:p>
-          <a:p>
-            <a:endParaRPr lang="en-US" sz="2000" dirty="0">
-              <a:solidFill>
-                <a:schemeClr val="bg1"/>
-              </a:solidFill>
-            </a:endParaRPr>
-          </a:p>
-          <a:p>
-            <a:r>
-              <a:rPr lang="en-US" sz="2000" dirty="0">
-                <a:solidFill>
-                  <a:schemeClr val="bg1"/>
-                </a:solidFill>
-              </a:rPr>
-              <a:t>More likely to be manipulated by removing negative reviews</a:t>
-            </a:r>
-          </a:p>
-          <a:p>
-            <a:endParaRPr lang="en-US" sz="2000" dirty="0">
-              <a:solidFill>
-                <a:schemeClr val="bg1"/>
-              </a:solidFill>
-            </a:endParaRPr>
-          </a:p>
-          <a:p>
-            <a:r>
-              <a:rPr lang="en-US" sz="2000" dirty="0">
-                <a:solidFill>
-                  <a:schemeClr val="bg1"/>
-                </a:solidFill>
-              </a:rPr>
-              <a:t>Rinse and repeat for various restaurant types, price ranges, ratings, and data sources</a:t>
-            </a:r>
-          </a:p>
-          <a:p>
-            <a:endParaRPr lang="en-US" dirty="0">
-              <a:solidFill>
-                <a:schemeClr val="bg1"/>
-              </a:solidFill>
-            </a:endParaRPr>
-          </a:p>
-        </p:txBody>
-      </p:sp>
     </p:spTree>
     <p:extLst>
       <p:ext uri="{BB962C8B-B14F-4D97-AF65-F5344CB8AC3E}">
-        <p14:creationId xmlns:p14="http://schemas.microsoft.com/office/powerpoint/2010/main" val="44193110"/>
+        <p14:creationId xmlns:p14="http://schemas.microsoft.com/office/powerpoint/2010/main" val="3877022139"/>
       </p:ext>
     </p:extLst>
   </p:cSld>
@@ -16456,72 +16510,7 @@
 </p:sld>
 </file>
 
-<file path=ppt/slides/slide17.xml><?xml version="1.0" encoding="utf-8"?>
-<p:sld xmlns:a="http://schemas.openxmlformats.org/drawingml/2006/main" xmlns:r="http://schemas.openxmlformats.org/officeDocument/2006/relationships" xmlns:p="http://schemas.openxmlformats.org/presentationml/2006/main">
-  <p:cSld>
-    <p:spTree>
-      <p:nvGrpSpPr>
-        <p:cNvPr id="1" name=""/>
-        <p:cNvGrpSpPr/>
-        <p:nvPr/>
-      </p:nvGrpSpPr>
-      <p:grpSpPr>
-        <a:xfrm>
-          <a:off x="0" y="0"/>
-          <a:ext cx="0" cy="0"/>
-          <a:chOff x="0" y="0"/>
-          <a:chExt cx="0" cy="0"/>
-        </a:xfrm>
-      </p:grpSpPr>
-      <p:sp>
-        <p:nvSpPr>
-          <p:cNvPr id="2" name="Title 1">
-            <a:extLst>
-              <a:ext uri="{FF2B5EF4-FFF2-40B4-BE49-F238E27FC236}">
-                <a16:creationId xmlns:a16="http://schemas.microsoft.com/office/drawing/2014/main" id="{F86291C2-AFD7-42CF-9368-91D240D5E7DA}"/>
-              </a:ext>
-            </a:extLst>
-          </p:cNvPr>
-          <p:cNvSpPr>
-            <a:spLocks noGrp="1"/>
-          </p:cNvSpPr>
-          <p:nvPr>
-            <p:ph type="ctrTitle"/>
-          </p:nvPr>
-        </p:nvSpPr>
-        <p:spPr>
-          <a:xfrm>
-            <a:off x="3760552" y="1156447"/>
-            <a:ext cx="5023317" cy="2099515"/>
-          </a:xfrm>
-        </p:spPr>
-        <p:txBody>
-          <a:bodyPr>
-            <a:normAutofit/>
-          </a:bodyPr>
-          <a:lstStyle/>
-          <a:p>
-            <a:r>
-              <a:rPr lang="en-US" sz="7200" dirty="0"/>
-              <a:t>LIVE DEMO</a:t>
-            </a:r>
-          </a:p>
-        </p:txBody>
-      </p:sp>
-    </p:spTree>
-    <p:extLst>
-      <p:ext uri="{BB962C8B-B14F-4D97-AF65-F5344CB8AC3E}">
-        <p14:creationId xmlns:p14="http://schemas.microsoft.com/office/powerpoint/2010/main" val="2529801125"/>
-      </p:ext>
-    </p:extLst>
-  </p:cSld>
-  <p:clrMapOvr>
-    <a:masterClrMapping/>
-  </p:clrMapOvr>
-</p:sld>
-</file>
-
-<file path=ppt/slides/slide18.xml><?xml version="1.0" encoding="utf-8"?>
+<file path=ppt/slides/slide15.xml><?xml version="1.0" encoding="utf-8"?>
 <p:sld xmlns:a="http://schemas.openxmlformats.org/drawingml/2006/main" xmlns:r="http://schemas.openxmlformats.org/officeDocument/2006/relationships" xmlns:p="http://schemas.openxmlformats.org/presentationml/2006/main">
   <p:cSld>
     <p:bg>
@@ -16581,7 +16570,7 @@
         </p:nvSpPr>
         <p:spPr>
           <a:xfrm>
-            <a:off x="2548777" y="342402"/>
+            <a:off x="5698377" y="0"/>
             <a:ext cx="9069482" cy="1371881"/>
           </a:xfrm>
         </p:spPr>
@@ -16616,8 +16605,8 @@
         </p:nvSpPr>
         <p:spPr>
           <a:xfrm>
-            <a:off x="1790700" y="2228671"/>
-            <a:ext cx="9208994" cy="4401205"/>
+            <a:off x="2489200" y="1256585"/>
+            <a:ext cx="8815294" cy="5386090"/>
           </a:xfrm>
           <a:prstGeom prst="rect">
             <a:avLst/>
@@ -16648,7 +16637,7 @@
               <a:defRPr/>
             </a:pPr>
             <a:r>
-              <a:rPr kumimoji="0" lang="en-US" sz="2800" b="0" i="0" u="none" strike="noStrike" kern="1200" cap="none" spc="0" normalizeH="0" baseline="0" noProof="0" dirty="0">
+              <a:rPr kumimoji="0" lang="en-US" sz="3000" b="0" i="0" u="none" strike="noStrike" kern="1200" cap="none" spc="0" normalizeH="0" baseline="0" noProof="0" dirty="0">
                 <a:ln>
                   <a:noFill/>
                 </a:ln>
@@ -16720,7 +16709,7 @@
               <a:defRPr/>
             </a:pPr>
             <a:r>
-              <a:rPr lang="en-US" sz="2800" dirty="0">
+              <a:rPr lang="en-US" sz="3000" dirty="0">
                 <a:solidFill>
                   <a:prstClr val="black"/>
                 </a:solidFill>
@@ -16784,7 +16773,7 @@
               <a:defRPr/>
             </a:pPr>
             <a:r>
-              <a:rPr lang="en-US" sz="2800" dirty="0">
+              <a:rPr lang="en-US" sz="3000" dirty="0">
                 <a:solidFill>
                   <a:prstClr val="black"/>
                 </a:solidFill>
@@ -16837,7 +16826,60 @@
               </a:rPr>
               <a:t> local files</a:t>
             </a:r>
-            <a:endParaRPr kumimoji="0" lang="en-US" sz="2400" b="0" i="0" u="none" strike="noStrike" kern="1200" cap="none" spc="0" normalizeH="0" baseline="0" noProof="0" dirty="0">
+          </a:p>
+          <a:p>
+            <a:pPr marL="0" marR="0" lvl="0" indent="0" algn="l" defTabSz="457200" rtl="0" eaLnBrk="1" fontAlgn="auto" latinLnBrk="0" hangingPunct="1">
+              <a:lnSpc>
+                <a:spcPct val="100000"/>
+              </a:lnSpc>
+              <a:spcBef>
+                <a:spcPts val="0"/>
+              </a:spcBef>
+              <a:spcAft>
+                <a:spcPts val="0"/>
+              </a:spcAft>
+              <a:buClrTx/>
+              <a:buSzTx/>
+              <a:buFontTx/>
+              <a:buNone/>
+              <a:tabLst/>
+              <a:defRPr/>
+            </a:pPr>
+            <a:endParaRPr lang="en-US" sz="2800" dirty="0">
+              <a:solidFill>
+                <a:prstClr val="black"/>
+              </a:solidFill>
+              <a:latin typeface="Tw Cen MT" panose="020B0602020104020603"/>
+            </a:endParaRPr>
+          </a:p>
+          <a:p>
+            <a:pPr marL="0" marR="0" lvl="0" indent="0" algn="l" defTabSz="457200" rtl="0" eaLnBrk="1" fontAlgn="auto" latinLnBrk="0" hangingPunct="1">
+              <a:lnSpc>
+                <a:spcPct val="100000"/>
+              </a:lnSpc>
+              <a:spcBef>
+                <a:spcPts val="0"/>
+              </a:spcBef>
+              <a:spcAft>
+                <a:spcPts val="0"/>
+              </a:spcAft>
+              <a:buClrTx/>
+              <a:buSzTx/>
+              <a:buFontTx/>
+              <a:buNone/>
+              <a:tabLst/>
+              <a:defRPr/>
+            </a:pPr>
+            <a:r>
+              <a:rPr lang="en-US" sz="3000" dirty="0">
+                <a:solidFill>
+                  <a:prstClr val="black"/>
+                </a:solidFill>
+                <a:latin typeface="Tw Cen MT" panose="020B0602020104020603"/>
+              </a:rPr>
+              <a:t>Possible mobile device implementation</a:t>
+            </a:r>
+            <a:endParaRPr kumimoji="0" lang="en-US" sz="3000" b="0" i="0" u="none" strike="noStrike" kern="1200" cap="none" spc="0" normalizeH="0" baseline="0" noProof="0" dirty="0">
               <a:ln>
                 <a:noFill/>
               </a:ln>
@@ -16867,7 +16909,7 @@
 </p:sld>
 </file>
 
-<file path=ppt/slides/slide19.xml><?xml version="1.0" encoding="utf-8"?>
+<file path=ppt/slides/slide16.xml><?xml version="1.0" encoding="utf-8"?>
 <p:sld xmlns:a="http://schemas.openxmlformats.org/drawingml/2006/main" xmlns:r="http://schemas.openxmlformats.org/officeDocument/2006/relationships" xmlns:p="http://schemas.openxmlformats.org/presentationml/2006/main">
   <p:cSld>
     <p:bg>
@@ -16927,7 +16969,7 @@
         </p:nvSpPr>
         <p:spPr>
           <a:xfrm>
-            <a:off x="2831165" y="2157754"/>
+            <a:off x="1561259" y="140671"/>
             <a:ext cx="9069482" cy="1371881"/>
           </a:xfrm>
         </p:spPr>
@@ -16937,6 +16979,7 @@
           </a:bodyPr>
           <a:lstStyle/>
           <a:p>
+            <a:pPr algn="ctr"/>
             <a:r>
               <a:rPr lang="en-US" dirty="0">
                 <a:solidFill>
@@ -16983,6 +17026,53 @@
           </a:p>
         </p:txBody>
       </p:sp>
+      <p:pic>
+        <p:nvPicPr>
+          <p:cNvPr id="4098" name="Picture 2" descr="Image result for beautiful picture of NYC">
+            <a:extLst>
+              <a:ext uri="{FF2B5EF4-FFF2-40B4-BE49-F238E27FC236}">
+                <a16:creationId xmlns:a16="http://schemas.microsoft.com/office/drawing/2014/main" id="{B0F13B1B-C957-406B-90BA-A81937A27CC0}"/>
+              </a:ext>
+            </a:extLst>
+          </p:cNvPr>
+          <p:cNvPicPr>
+            <a:picLocks noChangeAspect="1" noChangeArrowheads="1"/>
+          </p:cNvPicPr>
+          <p:nvPr/>
+        </p:nvPicPr>
+        <p:blipFill>
+          <a:blip r:embed="rId4">
+            <a:extLst>
+              <a:ext uri="{28A0092B-C50C-407E-A947-70E740481C1C}">
+                <a14:useLocalDpi xmlns:a14="http://schemas.microsoft.com/office/drawing/2010/main" val="0"/>
+              </a:ext>
+            </a:extLst>
+          </a:blip>
+          <a:srcRect/>
+          <a:stretch>
+            <a:fillRect/>
+          </a:stretch>
+        </p:blipFill>
+        <p:spPr bwMode="auto">
+          <a:xfrm>
+            <a:off x="3095625" y="1864659"/>
+            <a:ext cx="6000750" cy="4495800"/>
+          </a:xfrm>
+          <a:prstGeom prst="rect">
+            <a:avLst/>
+          </a:prstGeom>
+          <a:noFill/>
+          <a:extLst>
+            <a:ext uri="{909E8E84-426E-40DD-AFC4-6F175D3DCCD1}">
+              <a14:hiddenFill xmlns:a14="http://schemas.microsoft.com/office/drawing/2010/main">
+                <a:solidFill>
+                  <a:srgbClr val="FFFFFF"/>
+                </a:solidFill>
+              </a14:hiddenFill>
+            </a:ext>
+          </a:extLst>
+        </p:spPr>
+      </p:pic>
     </p:spTree>
     <p:extLst>
       <p:ext uri="{BB962C8B-B14F-4D97-AF65-F5344CB8AC3E}">
@@ -17316,7 +17406,7 @@
                   <a:schemeClr val="bg1"/>
                 </a:solidFill>
               </a:rPr>
-              <a:t>Since hungry people aren’t known for their patience, we decided to create an aggregate review site that doesn’t require a huge time investment to navigate</a:t>
+              <a:t>Since hungry people aren’t known for their patience, we decided to create an aggregate review site that doesn’t require a huge time investment to navigate (“one-stop shopping”)</a:t>
             </a:r>
           </a:p>
         </p:txBody>
@@ -17351,101 +17441,106 @@
           <a:chExt cx="0" cy="0"/>
         </a:xfrm>
       </p:grpSpPr>
-      <p:sp>
-        <p:nvSpPr>
-          <p:cNvPr id="2" name="Title 1">
+      <p:pic>
+        <p:nvPicPr>
+          <p:cNvPr id="2050" name="Picture 2" descr="Image result for Picture of NYC">
             <a:extLst>
               <a:ext uri="{FF2B5EF4-FFF2-40B4-BE49-F238E27FC236}">
-                <a16:creationId xmlns:a16="http://schemas.microsoft.com/office/drawing/2014/main" id="{0D51DE01-9060-4D0E-A1B6-75A33BBE2E70}"/>
+                <a16:creationId xmlns:a16="http://schemas.microsoft.com/office/drawing/2014/main" id="{3E854BFC-1548-4AB9-9725-765F1B8A5674}"/>
               </a:ext>
             </a:extLst>
           </p:cNvPr>
-          <p:cNvSpPr>
-            <a:spLocks noGrp="1"/>
-          </p:cNvSpPr>
+          <p:cNvPicPr>
+            <a:picLocks noGrp="1" noChangeAspect="1" noChangeArrowheads="1"/>
+          </p:cNvPicPr>
           <p:nvPr>
-            <p:ph type="title"/>
+            <p:ph idx="1"/>
           </p:nvPr>
-        </p:nvSpPr>
-        <p:spPr/>
-        <p:txBody>
-          <a:bodyPr/>
-          <a:lstStyle/>
-          <a:p>
-            <a:r>
-              <a:rPr lang="en-US" dirty="0"/>
-              <a:t>Creating a Database:</a:t>
-            </a:r>
-          </a:p>
-        </p:txBody>
-      </p:sp>
-      <p:sp>
-        <p:nvSpPr>
-          <p:cNvPr id="3" name="Content Placeholder 2">
+        </p:nvPicPr>
+        <p:blipFill>
+          <a:blip r:embed="rId2">
+            <a:extLst>
+              <a:ext uri="{28A0092B-C50C-407E-A947-70E740481C1C}">
+                <a14:useLocalDpi xmlns:a14="http://schemas.microsoft.com/office/drawing/2010/main" val="0"/>
+              </a:ext>
+            </a:extLst>
+          </a:blip>
+          <a:srcRect/>
+          <a:stretch>
+            <a:fillRect/>
+          </a:stretch>
+        </p:blipFill>
+        <p:spPr bwMode="auto">
+          <a:xfrm>
+            <a:off x="2685327" y="515262"/>
+            <a:ext cx="6527183" cy="3103415"/>
+          </a:xfrm>
+          <a:prstGeom prst="rect">
+            <a:avLst/>
+          </a:prstGeom>
+          <a:noFill/>
+          <a:extLst>
+            <a:ext uri="{909E8E84-426E-40DD-AFC4-6F175D3DCCD1}">
+              <a14:hiddenFill xmlns:a14="http://schemas.microsoft.com/office/drawing/2010/main">
+                <a:solidFill>
+                  <a:srgbClr val="FFFFFF"/>
+                </a:solidFill>
+              </a14:hiddenFill>
+            </a:ext>
+          </a:extLst>
+        </p:spPr>
+      </p:pic>
+      <p:pic>
+        <p:nvPicPr>
+          <p:cNvPr id="2052" name="Picture 4" descr="Image result for Picture of NYC">
             <a:extLst>
               <a:ext uri="{FF2B5EF4-FFF2-40B4-BE49-F238E27FC236}">
-                <a16:creationId xmlns:a16="http://schemas.microsoft.com/office/drawing/2014/main" id="{BEB786AF-4D5F-45E6-B426-FA353569F74A}"/>
+                <a16:creationId xmlns:a16="http://schemas.microsoft.com/office/drawing/2014/main" id="{A33F2FC3-E9E8-412F-A038-8A49193912EC}"/>
               </a:ext>
             </a:extLst>
           </p:cNvPr>
-          <p:cNvSpPr>
-            <a:spLocks noGrp="1"/>
-          </p:cNvSpPr>
-          <p:nvPr>
-            <p:ph idx="1"/>
-          </p:nvPr>
-        </p:nvSpPr>
-        <p:spPr/>
-        <p:txBody>
-          <a:bodyPr>
-            <a:normAutofit/>
-          </a:bodyPr>
-          <a:lstStyle/>
-          <a:p>
-            <a:r>
-              <a:rPr lang="en-US" sz="2800" dirty="0"/>
-              <a:t>First, we gathered data from multiple review sites:</a:t>
-            </a:r>
-          </a:p>
-          <a:p>
-            <a:pPr lvl="1"/>
-            <a:r>
-              <a:rPr lang="en-US" sz="2400" dirty="0"/>
-              <a:t>Yelp API</a:t>
-            </a:r>
-          </a:p>
-          <a:p>
-            <a:pPr lvl="1"/>
-            <a:r>
-              <a:rPr lang="en-US" sz="2400" dirty="0"/>
-              <a:t>Zomato API</a:t>
-            </a:r>
-          </a:p>
-          <a:p>
-            <a:pPr lvl="1"/>
-            <a:r>
-              <a:rPr lang="en-US" sz="2400" dirty="0"/>
-              <a:t>Google Reviews</a:t>
-            </a:r>
-          </a:p>
-          <a:p>
-            <a:r>
-              <a:rPr lang="en-US" sz="2800" dirty="0"/>
-              <a:t>Using SQL, we created a set of standards and consolidated our data</a:t>
-            </a:r>
-          </a:p>
-          <a:p>
-            <a:pPr marL="457200" lvl="1" indent="0">
-              <a:buNone/>
-            </a:pPr>
-            <a:endParaRPr lang="en-US" dirty="0"/>
-          </a:p>
-        </p:txBody>
-      </p:sp>
+          <p:cNvPicPr>
+            <a:picLocks noChangeAspect="1" noChangeArrowheads="1"/>
+          </p:cNvPicPr>
+          <p:nvPr/>
+        </p:nvPicPr>
+        <p:blipFill>
+          <a:blip r:embed="rId3">
+            <a:extLst>
+              <a:ext uri="{28A0092B-C50C-407E-A947-70E740481C1C}">
+                <a14:useLocalDpi xmlns:a14="http://schemas.microsoft.com/office/drawing/2010/main" val="0"/>
+              </a:ext>
+            </a:extLst>
+          </a:blip>
+          <a:srcRect/>
+          <a:stretch>
+            <a:fillRect/>
+          </a:stretch>
+        </p:blipFill>
+        <p:spPr bwMode="auto">
+          <a:xfrm>
+            <a:off x="3664579" y="3959110"/>
+            <a:ext cx="4862842" cy="2630718"/>
+          </a:xfrm>
+          <a:prstGeom prst="rect">
+            <a:avLst/>
+          </a:prstGeom>
+          <a:noFill/>
+          <a:extLst>
+            <a:ext uri="{909E8E84-426E-40DD-AFC4-6F175D3DCCD1}">
+              <a14:hiddenFill xmlns:a14="http://schemas.microsoft.com/office/drawing/2010/main">
+                <a:solidFill>
+                  <a:srgbClr val="FFFFFF"/>
+                </a:solidFill>
+              </a14:hiddenFill>
+            </a:ext>
+          </a:extLst>
+        </p:spPr>
+      </p:pic>
     </p:spTree>
     <p:extLst>
       <p:ext uri="{BB962C8B-B14F-4D97-AF65-F5344CB8AC3E}">
-        <p14:creationId xmlns:p14="http://schemas.microsoft.com/office/powerpoint/2010/main" val="263005558"/>
+        <p14:creationId xmlns:p14="http://schemas.microsoft.com/office/powerpoint/2010/main" val="3164408960"/>
       </p:ext>
     </p:extLst>
   </p:cSld>
@@ -17458,6 +17553,23 @@
 <file path=ppt/slides/slide5.xml><?xml version="1.0" encoding="utf-8"?>
 <p:sld xmlns:a="http://schemas.openxmlformats.org/drawingml/2006/main" xmlns:r="http://schemas.openxmlformats.org/officeDocument/2006/relationships" xmlns:p="http://schemas.openxmlformats.org/presentationml/2006/main">
   <p:cSld>
+    <p:bg>
+      <p:bgPr>
+        <a:blipFill>
+          <a:blip r:embed="rId2">
+            <a:duotone>
+              <a:schemeClr val="accent6">
+                <a:shade val="45000"/>
+                <a:satMod val="135000"/>
+              </a:schemeClr>
+              <a:prstClr val="white"/>
+            </a:duotone>
+          </a:blip>
+          <a:stretch/>
+        </a:blipFill>
+        <a:effectLst/>
+      </p:bgPr>
+    </p:bg>
     <p:spTree>
       <p:nvGrpSpPr>
         <p:cNvPr id="1" name=""/>
@@ -17477,7 +17589,7 @@
           <p:cNvPr id="2" name="Title 1">
             <a:extLst>
               <a:ext uri="{FF2B5EF4-FFF2-40B4-BE49-F238E27FC236}">
-                <a16:creationId xmlns:a16="http://schemas.microsoft.com/office/drawing/2014/main" id="{9B01E9AD-99B6-45C1-BA3B-2E823F5E4EEA}"/>
+                <a16:creationId xmlns:a16="http://schemas.microsoft.com/office/drawing/2014/main" id="{A73FFF28-D4B4-4985-8B94-69FB7D5E5CD9}"/>
               </a:ext>
             </a:extLst>
           </p:cNvPr>
@@ -17485,54 +17597,180 @@
             <a:spLocks noGrp="1"/>
           </p:cNvSpPr>
           <p:nvPr>
-            <p:ph type="title"/>
+            <p:ph type="ctrTitle"/>
           </p:nvPr>
         </p:nvSpPr>
-        <p:spPr/>
-        <p:txBody>
-          <a:bodyPr/>
+        <p:spPr>
+          <a:xfrm>
+            <a:off x="7537636" y="349343"/>
+            <a:ext cx="4228541" cy="1371881"/>
+          </a:xfrm>
+        </p:spPr>
+        <p:txBody>
+          <a:bodyPr>
+            <a:normAutofit/>
+          </a:bodyPr>
           <a:lstStyle/>
           <a:p>
             <a:r>
               <a:rPr lang="en-US" dirty="0">
                 <a:solidFill>
-                  <a:srgbClr val="FF0000"/>
+                  <a:schemeClr val="bg1"/>
                 </a:solidFill>
               </a:rPr>
-              <a:t>PLACEHOLDER DATABASE SLIDES-yelp - ALOK</a:t>
-            </a:r>
-          </a:p>
-        </p:txBody>
-      </p:sp>
-      <p:sp>
-        <p:nvSpPr>
-          <p:cNvPr id="3" name="Content Placeholder 2">
+              <a:t>The old way:</a:t>
+            </a:r>
+          </a:p>
+        </p:txBody>
+      </p:sp>
+      <p:pic>
+        <p:nvPicPr>
+          <p:cNvPr id="3" name="Picture 2">
             <a:extLst>
               <a:ext uri="{FF2B5EF4-FFF2-40B4-BE49-F238E27FC236}">
-                <a16:creationId xmlns:a16="http://schemas.microsoft.com/office/drawing/2014/main" id="{28A4EE31-7ECF-4104-A267-14C58F49239F}"/>
+                <a16:creationId xmlns:a16="http://schemas.microsoft.com/office/drawing/2014/main" id="{B2307CCB-ECB1-47E9-A5AF-6B234F0D4B40}"/>
               </a:ext>
             </a:extLst>
           </p:cNvPr>
-          <p:cNvSpPr>
-            <a:spLocks noGrp="1"/>
-          </p:cNvSpPr>
-          <p:nvPr>
-            <p:ph idx="1"/>
-          </p:nvPr>
-        </p:nvSpPr>
-        <p:spPr/>
-        <p:txBody>
-          <a:bodyPr/>
+          <p:cNvPicPr>
+            <a:picLocks noChangeAspect="1"/>
+          </p:cNvPicPr>
+          <p:nvPr/>
+        </p:nvPicPr>
+        <p:blipFill>
+          <a:blip r:embed="rId3"/>
+          <a:stretch>
+            <a:fillRect/>
+          </a:stretch>
+        </p:blipFill>
+        <p:spPr>
+          <a:xfrm>
+            <a:off x="0" y="0"/>
+            <a:ext cx="7014072" cy="6858000"/>
+          </a:xfrm>
+          <a:prstGeom prst="rect">
+            <a:avLst/>
+          </a:prstGeom>
+        </p:spPr>
+      </p:pic>
+      <p:sp>
+        <p:nvSpPr>
+          <p:cNvPr id="4" name="TextBox 3">
+            <a:extLst>
+              <a:ext uri="{FF2B5EF4-FFF2-40B4-BE49-F238E27FC236}">
+                <a16:creationId xmlns:a16="http://schemas.microsoft.com/office/drawing/2014/main" id="{89DC5A01-EB49-46FC-91D6-4D979B419AFF}"/>
+              </a:ext>
+            </a:extLst>
+          </p:cNvPr>
+          <p:cNvSpPr txBox="1"/>
+          <p:nvPr/>
+        </p:nvSpPr>
+        <p:spPr>
+          <a:xfrm>
+            <a:off x="7174565" y="1721224"/>
+            <a:ext cx="4591612" cy="4985980"/>
+          </a:xfrm>
+          <a:prstGeom prst="rect">
+            <a:avLst/>
+          </a:prstGeom>
+          <a:noFill/>
+        </p:spPr>
+        <p:txBody>
+          <a:bodyPr wrap="square" rtlCol="0">
+            <a:spAutoFit/>
+          </a:bodyPr>
           <a:lstStyle/>
           <a:p>
-            <a:endParaRPr lang="en-US" dirty="0"/>
+            <a:r>
+              <a:rPr lang="en-US" sz="2000" dirty="0">
+                <a:solidFill>
+                  <a:schemeClr val="bg1"/>
+                </a:solidFill>
+              </a:rPr>
+              <a:t>Sponsored links(ad) are listed on top, despite often being out of your search range</a:t>
+            </a:r>
+          </a:p>
+          <a:p>
+            <a:endParaRPr lang="en-US" sz="2000" dirty="0">
+              <a:solidFill>
+                <a:schemeClr val="bg1"/>
+              </a:solidFill>
+            </a:endParaRPr>
+          </a:p>
+          <a:p>
+            <a:r>
+              <a:rPr lang="en-US" sz="2000" dirty="0">
+                <a:solidFill>
+                  <a:schemeClr val="bg1"/>
+                </a:solidFill>
+              </a:rPr>
+              <a:t>Requires extremely specific search criteria</a:t>
+            </a:r>
+          </a:p>
+          <a:p>
+            <a:endParaRPr lang="en-US" sz="2000" dirty="0">
+              <a:solidFill>
+                <a:schemeClr val="bg1"/>
+              </a:solidFill>
+            </a:endParaRPr>
+          </a:p>
+          <a:p>
+            <a:r>
+              <a:rPr lang="en-US" sz="2000" dirty="0">
+                <a:solidFill>
+                  <a:schemeClr val="bg1"/>
+                </a:solidFill>
+              </a:rPr>
+              <a:t>Repetitive cycling through pages for each search</a:t>
+            </a:r>
+          </a:p>
+          <a:p>
+            <a:endParaRPr lang="en-US" sz="2000" dirty="0">
+              <a:solidFill>
+                <a:schemeClr val="bg1"/>
+              </a:solidFill>
+            </a:endParaRPr>
+          </a:p>
+          <a:p>
+            <a:r>
+              <a:rPr lang="en-US" sz="2000" dirty="0">
+                <a:solidFill>
+                  <a:schemeClr val="bg1"/>
+                </a:solidFill>
+              </a:rPr>
+              <a:t>More likely to be manipulated by removing negative reviews</a:t>
+            </a:r>
+          </a:p>
+          <a:p>
+            <a:endParaRPr lang="en-US" sz="2000" dirty="0">
+              <a:solidFill>
+                <a:schemeClr val="bg1"/>
+              </a:solidFill>
+            </a:endParaRPr>
+          </a:p>
+          <a:p>
+            <a:r>
+              <a:rPr lang="en-US" sz="2000" dirty="0">
+                <a:solidFill>
+                  <a:schemeClr val="bg1"/>
+                </a:solidFill>
+              </a:rPr>
+              <a:t>Rinse and repeat for various restaurant types, price ranges, ratings, and data sources</a:t>
+            </a:r>
+          </a:p>
+          <a:p>
+            <a:endParaRPr lang="en-US" dirty="0">
+              <a:solidFill>
+                <a:schemeClr val="bg1"/>
+              </a:solidFill>
+            </a:endParaRPr>
           </a:p>
         </p:txBody>
       </p:sp>
     </p:spTree>
     <p:extLst>
       <p:ext uri="{BB962C8B-B14F-4D97-AF65-F5344CB8AC3E}">
-        <p14:creationId xmlns:p14="http://schemas.microsoft.com/office/powerpoint/2010/main" val="1446832134"/>
+        <p14:creationId xmlns:p14="http://schemas.microsoft.com/office/powerpoint/2010/main" val="44193110"/>
       </p:ext>
     </p:extLst>
   </p:cSld>
@@ -17564,7 +17802,7 @@
           <p:cNvPr id="2" name="Title 1">
             <a:extLst>
               <a:ext uri="{FF2B5EF4-FFF2-40B4-BE49-F238E27FC236}">
-                <a16:creationId xmlns:a16="http://schemas.microsoft.com/office/drawing/2014/main" id="{9B01E9AD-99B6-45C1-BA3B-2E823F5E4EEA}"/>
+                <a16:creationId xmlns:a16="http://schemas.microsoft.com/office/drawing/2014/main" id="{F86291C2-AFD7-42CF-9368-91D240D5E7DA}"/>
               </a:ext>
             </a:extLst>
           </p:cNvPr>
@@ -17572,54 +17810,32 @@
             <a:spLocks noGrp="1"/>
           </p:cNvSpPr>
           <p:nvPr>
-            <p:ph type="title"/>
+            <p:ph type="ctrTitle"/>
           </p:nvPr>
         </p:nvSpPr>
-        <p:spPr/>
-        <p:txBody>
-          <a:bodyPr/>
+        <p:spPr>
+          <a:xfrm>
+            <a:off x="3760552" y="1156447"/>
+            <a:ext cx="5023317" cy="2099515"/>
+          </a:xfrm>
+        </p:spPr>
+        <p:txBody>
+          <a:bodyPr>
+            <a:normAutofit/>
+          </a:bodyPr>
           <a:lstStyle/>
           <a:p>
             <a:r>
-              <a:rPr lang="en-US" dirty="0">
-                <a:solidFill>
-                  <a:srgbClr val="FF0000"/>
-                </a:solidFill>
-              </a:rPr>
-              <a:t>PLACEHOLDER DATABASE SLIDES-yelp - Aparna</a:t>
-            </a:r>
-          </a:p>
-        </p:txBody>
-      </p:sp>
-      <p:sp>
-        <p:nvSpPr>
-          <p:cNvPr id="3" name="Content Placeholder 2">
-            <a:extLst>
-              <a:ext uri="{FF2B5EF4-FFF2-40B4-BE49-F238E27FC236}">
-                <a16:creationId xmlns:a16="http://schemas.microsoft.com/office/drawing/2014/main" id="{28A4EE31-7ECF-4104-A267-14C58F49239F}"/>
-              </a:ext>
-            </a:extLst>
-          </p:cNvPr>
-          <p:cNvSpPr>
-            <a:spLocks noGrp="1"/>
-          </p:cNvSpPr>
-          <p:nvPr>
-            <p:ph idx="1"/>
-          </p:nvPr>
-        </p:nvSpPr>
-        <p:spPr/>
-        <p:txBody>
-          <a:bodyPr/>
-          <a:lstStyle/>
-          <a:p>
-            <a:endParaRPr lang="en-US" dirty="0"/>
+              <a:rPr lang="en-US" sz="7200" dirty="0"/>
+              <a:t>LIVE DEMO</a:t>
+            </a:r>
           </a:p>
         </p:txBody>
       </p:sp>
     </p:spTree>
     <p:extLst>
       <p:ext uri="{BB962C8B-B14F-4D97-AF65-F5344CB8AC3E}">
-        <p14:creationId xmlns:p14="http://schemas.microsoft.com/office/powerpoint/2010/main" val="1323435842"/>
+        <p14:creationId xmlns:p14="http://schemas.microsoft.com/office/powerpoint/2010/main" val="2529801125"/>
       </p:ext>
     </p:extLst>
   </p:cSld>
@@ -17651,7 +17867,7 @@
           <p:cNvPr id="2" name="Title 1">
             <a:extLst>
               <a:ext uri="{FF2B5EF4-FFF2-40B4-BE49-F238E27FC236}">
-                <a16:creationId xmlns:a16="http://schemas.microsoft.com/office/drawing/2014/main" id="{9B01E9AD-99B6-45C1-BA3B-2E823F5E4EEA}"/>
+                <a16:creationId xmlns:a16="http://schemas.microsoft.com/office/drawing/2014/main" id="{0D51DE01-9060-4D0E-A1B6-75A33BBE2E70}"/>
               </a:ext>
             </a:extLst>
           </p:cNvPr>
@@ -17662,18 +17878,19 @@
             <p:ph type="title"/>
           </p:nvPr>
         </p:nvSpPr>
-        <p:spPr/>
+        <p:spPr>
+          <a:xfrm>
+            <a:off x="1141413" y="479913"/>
+            <a:ext cx="9905998" cy="1478570"/>
+          </a:xfrm>
+        </p:spPr>
         <p:txBody>
           <a:bodyPr/>
           <a:lstStyle/>
           <a:p>
             <a:r>
-              <a:rPr lang="en-US" dirty="0">
-                <a:solidFill>
-                  <a:srgbClr val="FF0000"/>
-                </a:solidFill>
-              </a:rPr>
-              <a:t>PLACEHOLDER DATABASE SLIDES - RAJ</a:t>
+              <a:rPr lang="en-US" dirty="0"/>
+              <a:t>Creating a Database:</a:t>
             </a:r>
           </a:p>
         </p:txBody>
@@ -17683,7 +17900,7 @@
           <p:cNvPr id="3" name="Content Placeholder 2">
             <a:extLst>
               <a:ext uri="{FF2B5EF4-FFF2-40B4-BE49-F238E27FC236}">
-                <a16:creationId xmlns:a16="http://schemas.microsoft.com/office/drawing/2014/main" id="{28A4EE31-7ECF-4104-A267-14C58F49239F}"/>
+                <a16:creationId xmlns:a16="http://schemas.microsoft.com/office/drawing/2014/main" id="{BEB786AF-4D5F-45E6-B426-FA353569F74A}"/>
               </a:ext>
             </a:extLst>
           </p:cNvPr>
@@ -17694,19 +17911,250 @@
             <p:ph idx="1"/>
           </p:nvPr>
         </p:nvSpPr>
-        <p:spPr/>
-        <p:txBody>
-          <a:bodyPr/>
+        <p:spPr>
+          <a:xfrm>
+            <a:off x="1801169" y="1949270"/>
+            <a:ext cx="9032736" cy="3541714"/>
+          </a:xfrm>
+        </p:spPr>
+        <p:txBody>
+          <a:bodyPr>
+            <a:normAutofit fontScale="70000" lnSpcReduction="20000"/>
+          </a:bodyPr>
           <a:lstStyle/>
           <a:p>
+            <a:r>
+              <a:rPr lang="en-US" sz="2800" dirty="0"/>
+              <a:t>First, we gathered data </a:t>
+            </a:r>
+            <a:br>
+              <a:rPr lang="en-US" sz="2800" dirty="0"/>
+            </a:br>
+            <a:r>
+              <a:rPr lang="en-US" sz="2800" dirty="0"/>
+              <a:t>from multiple review sites:</a:t>
+            </a:r>
+          </a:p>
+          <a:p>
+            <a:pPr lvl="1"/>
+            <a:r>
+              <a:rPr lang="en-US" sz="2400" dirty="0"/>
+              <a:t>Yelp API</a:t>
+            </a:r>
+          </a:p>
+          <a:p>
+            <a:pPr lvl="1"/>
+            <a:r>
+              <a:rPr lang="en-US" sz="2400" dirty="0"/>
+              <a:t>Zomato API</a:t>
+            </a:r>
+          </a:p>
+          <a:p>
+            <a:pPr lvl="1"/>
+            <a:r>
+              <a:rPr lang="en-US" sz="2400" dirty="0"/>
+              <a:t>Google Maps API</a:t>
+            </a:r>
+          </a:p>
+          <a:p>
+            <a:pPr marL="457200" lvl="1" indent="0">
+              <a:buNone/>
+            </a:pPr>
+            <a:endParaRPr lang="en-US" sz="2400" dirty="0"/>
+          </a:p>
+          <a:p>
+            <a:r>
+              <a:rPr lang="en-US" sz="2800" dirty="0"/>
+              <a:t>Using SQL, we created </a:t>
+            </a:r>
+            <a:br>
+              <a:rPr lang="en-US" sz="2800" dirty="0"/>
+            </a:br>
+            <a:r>
+              <a:rPr lang="en-US" sz="2800" dirty="0"/>
+              <a:t>a set of standards and </a:t>
+            </a:r>
+            <a:br>
+              <a:rPr lang="en-US" sz="2800" dirty="0"/>
+            </a:br>
+            <a:r>
+              <a:rPr lang="en-US" sz="2800" dirty="0"/>
+              <a:t>consolidated our data </a:t>
+            </a:r>
+            <a:br>
+              <a:rPr lang="en-US" sz="2800" dirty="0"/>
+            </a:br>
+            <a:r>
+              <a:rPr lang="en-US" sz="2800" dirty="0"/>
+              <a:t>into a SQLite file. </a:t>
+            </a:r>
+          </a:p>
+          <a:p>
+            <a:pPr marL="457200" lvl="1" indent="0">
+              <a:buNone/>
+            </a:pPr>
             <a:endParaRPr lang="en-US" dirty="0"/>
           </a:p>
         </p:txBody>
       </p:sp>
+      <p:pic>
+        <p:nvPicPr>
+          <p:cNvPr id="4" name="Picture 3">
+            <a:extLst>
+              <a:ext uri="{FF2B5EF4-FFF2-40B4-BE49-F238E27FC236}">
+                <a16:creationId xmlns:a16="http://schemas.microsoft.com/office/drawing/2014/main" id="{04F5A5FE-5FD2-4E33-A9FC-2A209E552A79}"/>
+              </a:ext>
+            </a:extLst>
+          </p:cNvPr>
+          <p:cNvPicPr>
+            <a:picLocks noChangeAspect="1"/>
+          </p:cNvPicPr>
+          <p:nvPr/>
+        </p:nvPicPr>
+        <p:blipFill>
+          <a:blip r:embed="rId2"/>
+          <a:stretch>
+            <a:fillRect/>
+          </a:stretch>
+        </p:blipFill>
+        <p:spPr>
+          <a:xfrm>
+            <a:off x="1953002" y="5350642"/>
+            <a:ext cx="2354891" cy="1324626"/>
+          </a:xfrm>
+          <a:prstGeom prst="rect">
+            <a:avLst/>
+          </a:prstGeom>
+        </p:spPr>
+      </p:pic>
+      <p:pic>
+        <p:nvPicPr>
+          <p:cNvPr id="5" name="Picture 4">
+            <a:extLst>
+              <a:ext uri="{FF2B5EF4-FFF2-40B4-BE49-F238E27FC236}">
+                <a16:creationId xmlns:a16="http://schemas.microsoft.com/office/drawing/2014/main" id="{381352A3-AED6-47E0-B858-4279EB287E55}"/>
+              </a:ext>
+            </a:extLst>
+          </p:cNvPr>
+          <p:cNvPicPr>
+            <a:picLocks noChangeAspect="1"/>
+          </p:cNvPicPr>
+          <p:nvPr/>
+        </p:nvPicPr>
+        <p:blipFill>
+          <a:blip r:embed="rId3"/>
+          <a:stretch>
+            <a:fillRect/>
+          </a:stretch>
+        </p:blipFill>
+        <p:spPr>
+          <a:xfrm>
+            <a:off x="5452098" y="1619118"/>
+            <a:ext cx="5595313" cy="3392159"/>
+          </a:xfrm>
+          <a:prstGeom prst="rect">
+            <a:avLst/>
+          </a:prstGeom>
+        </p:spPr>
+      </p:pic>
+      <p:pic>
+        <p:nvPicPr>
+          <p:cNvPr id="1026" name="Picture 2" descr="Image result for zomato logo">
+            <a:extLst>
+              <a:ext uri="{FF2B5EF4-FFF2-40B4-BE49-F238E27FC236}">
+                <a16:creationId xmlns:a16="http://schemas.microsoft.com/office/drawing/2014/main" id="{457C03DC-5E2D-44F1-BE40-28E071764980}"/>
+              </a:ext>
+            </a:extLst>
+          </p:cNvPr>
+          <p:cNvPicPr>
+            <a:picLocks noChangeAspect="1" noChangeArrowheads="1"/>
+          </p:cNvPicPr>
+          <p:nvPr/>
+        </p:nvPicPr>
+        <p:blipFill>
+          <a:blip r:embed="rId4">
+            <a:extLst>
+              <a:ext uri="{28A0092B-C50C-407E-A947-70E740481C1C}">
+                <a14:useLocalDpi xmlns:a14="http://schemas.microsoft.com/office/drawing/2010/main" val="0"/>
+              </a:ext>
+            </a:extLst>
+          </a:blip>
+          <a:srcRect/>
+          <a:stretch>
+            <a:fillRect/>
+          </a:stretch>
+        </p:blipFill>
+        <p:spPr bwMode="auto">
+          <a:xfrm>
+            <a:off x="5938101" y="5350642"/>
+            <a:ext cx="1358246" cy="1358246"/>
+          </a:xfrm>
+          <a:prstGeom prst="rect">
+            <a:avLst/>
+          </a:prstGeom>
+          <a:noFill/>
+          <a:extLst>
+            <a:ext uri="{909E8E84-426E-40DD-AFC4-6F175D3DCCD1}">
+              <a14:hiddenFill xmlns:a14="http://schemas.microsoft.com/office/drawing/2010/main">
+                <a:solidFill>
+                  <a:srgbClr val="FFFFFF"/>
+                </a:solidFill>
+              </a14:hiddenFill>
+            </a:ext>
+          </a:extLst>
+        </p:spPr>
+      </p:pic>
+      <p:pic>
+        <p:nvPicPr>
+          <p:cNvPr id="1028" name="Picture 4" descr="Image result for google maps logo">
+            <a:extLst>
+              <a:ext uri="{FF2B5EF4-FFF2-40B4-BE49-F238E27FC236}">
+                <a16:creationId xmlns:a16="http://schemas.microsoft.com/office/drawing/2014/main" id="{D200AB2D-8CF5-4DC1-A29D-6ECA86454B6E}"/>
+              </a:ext>
+            </a:extLst>
+          </p:cNvPr>
+          <p:cNvPicPr>
+            <a:picLocks noChangeAspect="1" noChangeArrowheads="1"/>
+          </p:cNvPicPr>
+          <p:nvPr/>
+        </p:nvPicPr>
+        <p:blipFill>
+          <a:blip r:embed="rId5">
+            <a:extLst>
+              <a:ext uri="{28A0092B-C50C-407E-A947-70E740481C1C}">
+                <a14:useLocalDpi xmlns:a14="http://schemas.microsoft.com/office/drawing/2010/main" val="0"/>
+              </a:ext>
+            </a:extLst>
+          </a:blip>
+          <a:srcRect/>
+          <a:stretch>
+            <a:fillRect/>
+          </a:stretch>
+        </p:blipFill>
+        <p:spPr bwMode="auto">
+          <a:xfrm>
+            <a:off x="8690711" y="5350642"/>
+            <a:ext cx="2356700" cy="1325644"/>
+          </a:xfrm>
+          <a:prstGeom prst="rect">
+            <a:avLst/>
+          </a:prstGeom>
+          <a:noFill/>
+          <a:extLst>
+            <a:ext uri="{909E8E84-426E-40DD-AFC4-6F175D3DCCD1}">
+              <a14:hiddenFill xmlns:a14="http://schemas.microsoft.com/office/drawing/2010/main">
+                <a:solidFill>
+                  <a:srgbClr val="FFFFFF"/>
+                </a:solidFill>
+              </a14:hiddenFill>
+            </a:ext>
+          </a:extLst>
+        </p:spPr>
+      </p:pic>
     </p:spTree>
     <p:extLst>
       <p:ext uri="{BB962C8B-B14F-4D97-AF65-F5344CB8AC3E}">
-        <p14:creationId xmlns:p14="http://schemas.microsoft.com/office/powerpoint/2010/main" val="700405066"/>
+        <p14:creationId xmlns:p14="http://schemas.microsoft.com/office/powerpoint/2010/main" val="263005558"/>
       </p:ext>
     </p:extLst>
   </p:cSld>
@@ -17723,13 +18171,21 @@
       <p:bgPr>
         <a:blipFill>
           <a:blip r:embed="rId2">
-            <a:duotone>
-              <a:schemeClr val="accent2">
-                <a:shade val="45000"/>
-                <a:satMod val="135000"/>
-              </a:schemeClr>
-              <a:prstClr val="white"/>
-            </a:duotone>
+            <a:grayscl/>
+            <a:extLst>
+              <a:ext uri="{BEBA8EAE-BF5A-486C-A8C5-ECC9F3942E4B}">
+                <a14:imgProps xmlns:a14="http://schemas.microsoft.com/office/drawing/2010/main">
+                  <a14:imgLayer r:embed="rId3">
+                    <a14:imgEffect>
+                      <a14:artisticPhotocopy/>
+                    </a14:imgEffect>
+                    <a14:imgEffect>
+                      <a14:saturation sat="0"/>
+                    </a14:imgEffect>
+                  </a14:imgLayer>
+                </a14:imgProps>
+              </a:ext>
+            </a:extLst>
           </a:blip>
           <a:stretch/>
         </a:blipFill>
@@ -17755,7 +18211,7 @@
           <p:cNvPr id="2" name="Title 1">
             <a:extLst>
               <a:ext uri="{FF2B5EF4-FFF2-40B4-BE49-F238E27FC236}">
-                <a16:creationId xmlns:a16="http://schemas.microsoft.com/office/drawing/2014/main" id="{0A103204-648F-48CC-9527-8F4211330EA1}"/>
+                <a16:creationId xmlns:a16="http://schemas.microsoft.com/office/drawing/2014/main" id="{A73FFF28-D4B4-4985-8B94-69FB7D5E5CD9}"/>
               </a:ext>
             </a:extLst>
           </p:cNvPr>
@@ -17763,12 +18219,19 @@
             <a:spLocks noGrp="1"/>
           </p:cNvSpPr>
           <p:nvPr>
-            <p:ph type="title"/>
+            <p:ph type="ctrTitle"/>
           </p:nvPr>
         </p:nvSpPr>
-        <p:spPr/>
-        <p:txBody>
-          <a:bodyPr/>
+        <p:spPr>
+          <a:xfrm>
+            <a:off x="2548777" y="342402"/>
+            <a:ext cx="9069482" cy="1371881"/>
+          </a:xfrm>
+        </p:spPr>
+        <p:txBody>
+          <a:bodyPr>
+            <a:normAutofit/>
+          </a:bodyPr>
           <a:lstStyle/>
           <a:p>
             <a:r>
@@ -17777,31 +18240,36 @@
                   <a:schemeClr val="bg1"/>
                 </a:solidFill>
               </a:rPr>
-              <a:t>Creating Visualizations</a:t>
-            </a:r>
-          </a:p>
-        </p:txBody>
-      </p:sp>
-      <p:sp>
-        <p:nvSpPr>
-          <p:cNvPr id="3" name="Content Placeholder 2">
+              <a:t>Designing an Interface</a:t>
+            </a:r>
+          </a:p>
+        </p:txBody>
+      </p:sp>
+      <p:sp>
+        <p:nvSpPr>
+          <p:cNvPr id="5" name="TextBox 4">
             <a:extLst>
               <a:ext uri="{FF2B5EF4-FFF2-40B4-BE49-F238E27FC236}">
-                <a16:creationId xmlns:a16="http://schemas.microsoft.com/office/drawing/2014/main" id="{9F3B99D8-608E-4B74-920D-166151C19B5D}"/>
+                <a16:creationId xmlns:a16="http://schemas.microsoft.com/office/drawing/2014/main" id="{67FA9C73-6468-4B47-9F77-36B139790217}"/>
               </a:ext>
             </a:extLst>
           </p:cNvPr>
-          <p:cNvSpPr>
-            <a:spLocks noGrp="1"/>
-          </p:cNvSpPr>
-          <p:nvPr>
-            <p:ph idx="1"/>
-          </p:nvPr>
-        </p:nvSpPr>
-        <p:spPr/>
-        <p:txBody>
-          <a:bodyPr>
-            <a:normAutofit/>
+          <p:cNvSpPr txBox="1"/>
+          <p:nvPr/>
+        </p:nvSpPr>
+        <p:spPr>
+          <a:xfrm>
+            <a:off x="1790700" y="2228671"/>
+            <a:ext cx="9208994" cy="3970318"/>
+          </a:xfrm>
+          <a:prstGeom prst="rect">
+            <a:avLst/>
+          </a:prstGeom>
+          <a:noFill/>
+        </p:spPr>
+        <p:txBody>
+          <a:bodyPr wrap="square" rtlCol="0">
+            <a:spAutoFit/>
           </a:bodyPr>
           <a:lstStyle/>
           <a:p>
@@ -17811,8 +18279,57 @@
                   <a:schemeClr val="bg1"/>
                 </a:solidFill>
               </a:rPr>
-              <a:t>Our visualizations required specific formatting in order to be accepted</a:t>
-            </a:r>
+              <a:t>With convenience in mind, we designed an interface that focused on three fields</a:t>
+            </a:r>
+          </a:p>
+          <a:p>
+            <a:pPr marL="285750" indent="-285750">
+              <a:buFont typeface="Arial" panose="020B0604020202020204" pitchFamily="34" charset="0"/>
+              <a:buChar char="•"/>
+            </a:pPr>
+            <a:r>
+              <a:rPr lang="en-US" sz="2400" dirty="0">
+                <a:solidFill>
+                  <a:schemeClr val="bg1"/>
+                </a:solidFill>
+              </a:rPr>
+              <a:t>Cuisine Type</a:t>
+            </a:r>
+          </a:p>
+          <a:p>
+            <a:pPr marL="285750" indent="-285750">
+              <a:buFont typeface="Arial" panose="020B0604020202020204" pitchFamily="34" charset="0"/>
+              <a:buChar char="•"/>
+            </a:pPr>
+            <a:r>
+              <a:rPr lang="en-US" sz="2400" dirty="0">
+                <a:solidFill>
+                  <a:schemeClr val="bg1"/>
+                </a:solidFill>
+              </a:rPr>
+              <a:t>Price Point</a:t>
+            </a:r>
+          </a:p>
+          <a:p>
+            <a:pPr marL="285750" indent="-285750">
+              <a:buFont typeface="Arial" panose="020B0604020202020204" pitchFamily="34" charset="0"/>
+              <a:buChar char="•"/>
+            </a:pPr>
+            <a:r>
+              <a:rPr lang="en-US" sz="2400" dirty="0">
+                <a:solidFill>
+                  <a:schemeClr val="bg1"/>
+                </a:solidFill>
+              </a:rPr>
+              <a:t>Aggregate Average Review Rating </a:t>
+            </a:r>
+          </a:p>
+          <a:p>
+            <a:endParaRPr lang="en-US" sz="2400" dirty="0">
+              <a:solidFill>
+                <a:schemeClr val="bg1"/>
+              </a:solidFill>
+            </a:endParaRPr>
           </a:p>
           <a:p>
             <a:r>
@@ -17821,17 +18338,49 @@
                   <a:schemeClr val="bg1"/>
                 </a:solidFill>
               </a:rPr>
-              <a:t>A Hierarchy was then built to provide structure to our graphics</a:t>
-            </a:r>
-          </a:p>
-          <a:p>
-            <a:r>
-              <a:rPr lang="en-US" sz="2800" dirty="0">
+              <a:t>We wanted to enable three primary functions</a:t>
+            </a:r>
+          </a:p>
+          <a:p>
+            <a:pPr marL="342900" indent="-342900">
+              <a:buFont typeface="Arial" panose="020B0604020202020204" pitchFamily="34" charset="0"/>
+              <a:buChar char="•"/>
+            </a:pPr>
+            <a:r>
+              <a:rPr lang="en-US" sz="2400" dirty="0">
                 <a:solidFill>
                   <a:schemeClr val="bg1"/>
                 </a:solidFill>
               </a:rPr>
-              <a:t>Parent and Child nodes were created to link our various data points</a:t>
+              <a:t>Exploratory  restaurant navigation (What should I eat today?)</a:t>
+            </a:r>
+          </a:p>
+          <a:p>
+            <a:pPr marL="342900" indent="-342900">
+              <a:buFont typeface="Arial" panose="020B0604020202020204" pitchFamily="34" charset="0"/>
+              <a:buChar char="•"/>
+            </a:pPr>
+            <a:r>
+              <a:rPr lang="en-US" sz="2400" dirty="0">
+                <a:solidFill>
+                  <a:schemeClr val="bg1"/>
+                </a:solidFill>
+              </a:rPr>
+              <a:t>Overview of nearby restaurants (What does my town have to offer?)</a:t>
+            </a:r>
+          </a:p>
+          <a:p>
+            <a:pPr marL="342900" indent="-342900">
+              <a:buFont typeface="Arial" panose="020B0604020202020204" pitchFamily="34" charset="0"/>
+              <a:buChar char="•"/>
+            </a:pPr>
+            <a:r>
+              <a:rPr lang="en-US" sz="2400" dirty="0">
+                <a:solidFill>
+                  <a:schemeClr val="bg1"/>
+                </a:solidFill>
+              </a:rPr>
+              <a:t>Map of my city with Restaurant results</a:t>
             </a:r>
           </a:p>
         </p:txBody>
@@ -17839,7 +18388,7 @@
     </p:spTree>
     <p:extLst>
       <p:ext uri="{BB962C8B-B14F-4D97-AF65-F5344CB8AC3E}">
-        <p14:creationId xmlns:p14="http://schemas.microsoft.com/office/powerpoint/2010/main" val="3795516479"/>
+        <p14:creationId xmlns:p14="http://schemas.microsoft.com/office/powerpoint/2010/main" val="636312775"/>
       </p:ext>
     </p:extLst>
   </p:cSld>
@@ -17909,171 +18458,62 @@
         </p:nvSpPr>
         <p:spPr>
           <a:xfrm>
-            <a:off x="2548777" y="342402"/>
+            <a:off x="1561259" y="234826"/>
             <a:ext cx="9069482" cy="1371881"/>
           </a:xfrm>
         </p:spPr>
         <p:txBody>
           <a:bodyPr>
-            <a:normAutofit/>
+            <a:normAutofit fontScale="90000"/>
           </a:bodyPr>
           <a:lstStyle/>
           <a:p>
+            <a:pPr algn="ctr"/>
             <a:r>
               <a:rPr lang="en-US" dirty="0">
                 <a:solidFill>
                   <a:schemeClr val="bg1"/>
                 </a:solidFill>
               </a:rPr>
-              <a:t>Designing an Interface</a:t>
-            </a:r>
-          </a:p>
-        </p:txBody>
-      </p:sp>
-      <p:sp>
-        <p:nvSpPr>
-          <p:cNvPr id="5" name="TextBox 4">
+              <a:t>Exploratory Restaurant Navigation</a:t>
+            </a:r>
+          </a:p>
+        </p:txBody>
+      </p:sp>
+      <p:pic>
+        <p:nvPicPr>
+          <p:cNvPr id="3" name="Picture 2">
             <a:extLst>
               <a:ext uri="{FF2B5EF4-FFF2-40B4-BE49-F238E27FC236}">
-                <a16:creationId xmlns:a16="http://schemas.microsoft.com/office/drawing/2014/main" id="{67FA9C73-6468-4B47-9F77-36B139790217}"/>
+                <a16:creationId xmlns:a16="http://schemas.microsoft.com/office/drawing/2014/main" id="{99DB8807-1B3F-4868-BEC9-35D5BF16DE27}"/>
               </a:ext>
             </a:extLst>
           </p:cNvPr>
-          <p:cNvSpPr txBox="1"/>
+          <p:cNvPicPr>
+            <a:picLocks noChangeAspect="1"/>
+          </p:cNvPicPr>
           <p:nvPr/>
-        </p:nvSpPr>
+        </p:nvPicPr>
+        <p:blipFill>
+          <a:blip r:embed="rId4"/>
+          <a:stretch>
+            <a:fillRect/>
+          </a:stretch>
+        </p:blipFill>
         <p:spPr>
           <a:xfrm>
-            <a:off x="1790700" y="2228671"/>
-            <a:ext cx="9208994" cy="3970318"/>
+            <a:off x="2897000" y="1647048"/>
+            <a:ext cx="6397999" cy="5050305"/>
           </a:xfrm>
           <a:prstGeom prst="rect">
             <a:avLst/>
           </a:prstGeom>
-          <a:noFill/>
         </p:spPr>
-        <p:txBody>
-          <a:bodyPr wrap="square" rtlCol="0">
-            <a:spAutoFit/>
-          </a:bodyPr>
-          <a:lstStyle/>
-          <a:p>
-            <a:r>
-              <a:rPr lang="en-US" sz="2800" dirty="0">
-                <a:solidFill>
-                  <a:schemeClr val="bg1"/>
-                </a:solidFill>
-              </a:rPr>
-              <a:t>With convenience in mind, we designed an interface that focused on three fields</a:t>
-            </a:r>
-          </a:p>
-          <a:p>
-            <a:pPr marL="285750" indent="-285750">
-              <a:buFont typeface="Arial" panose="020B0604020202020204" pitchFamily="34" charset="0"/>
-              <a:buChar char="•"/>
-            </a:pPr>
-            <a:r>
-              <a:rPr lang="en-US" sz="2400" dirty="0">
-                <a:solidFill>
-                  <a:schemeClr val="bg1"/>
-                </a:solidFill>
-              </a:rPr>
-              <a:t>Cuisine Type</a:t>
-            </a:r>
-          </a:p>
-          <a:p>
-            <a:pPr marL="285750" indent="-285750">
-              <a:buFont typeface="Arial" panose="020B0604020202020204" pitchFamily="34" charset="0"/>
-              <a:buChar char="•"/>
-            </a:pPr>
-            <a:r>
-              <a:rPr lang="en-US" sz="2400" dirty="0">
-                <a:solidFill>
-                  <a:schemeClr val="bg1"/>
-                </a:solidFill>
-              </a:rPr>
-              <a:t>Price Point</a:t>
-            </a:r>
-          </a:p>
-          <a:p>
-            <a:pPr marL="285750" indent="-285750">
-              <a:buFont typeface="Arial" panose="020B0604020202020204" pitchFamily="34" charset="0"/>
-              <a:buChar char="•"/>
-            </a:pPr>
-            <a:r>
-              <a:rPr lang="en-US" sz="2400" dirty="0">
-                <a:solidFill>
-                  <a:schemeClr val="bg1"/>
-                </a:solidFill>
-              </a:rPr>
-              <a:t>Aggregate Average Review Rating </a:t>
-            </a:r>
-          </a:p>
-          <a:p>
-            <a:endParaRPr lang="en-US" sz="2400" dirty="0">
-              <a:solidFill>
-                <a:schemeClr val="bg1"/>
-              </a:solidFill>
-            </a:endParaRPr>
-          </a:p>
-          <a:p>
-            <a:r>
-              <a:rPr lang="en-US" sz="2800" dirty="0">
-                <a:solidFill>
-                  <a:schemeClr val="bg1"/>
-                </a:solidFill>
-              </a:rPr>
-              <a:t>We wanted to enable three primary functions</a:t>
-            </a:r>
-          </a:p>
-          <a:p>
-            <a:pPr marL="342900" indent="-342900">
-              <a:buFont typeface="Arial" panose="020B0604020202020204" pitchFamily="34" charset="0"/>
-              <a:buChar char="•"/>
-            </a:pPr>
-            <a:r>
-              <a:rPr lang="en-US" sz="2400" dirty="0">
-                <a:solidFill>
-                  <a:schemeClr val="bg1"/>
-                </a:solidFill>
-              </a:rPr>
-              <a:t>Exploratory  restaurant navigation (What should I eat today?)</a:t>
-            </a:r>
-          </a:p>
-          <a:p>
-            <a:pPr marL="342900" indent="-342900">
-              <a:buFont typeface="Arial" panose="020B0604020202020204" pitchFamily="34" charset="0"/>
-              <a:buChar char="•"/>
-            </a:pPr>
-            <a:r>
-              <a:rPr lang="en-US" sz="2400" dirty="0">
-                <a:solidFill>
-                  <a:schemeClr val="bg1"/>
-                </a:solidFill>
-              </a:rPr>
-              <a:t>Overview of nearby restaurants (What does my town have to offer?)</a:t>
-            </a:r>
-          </a:p>
-          <a:p>
-            <a:pPr marL="342900" indent="-342900">
-              <a:buFont typeface="Arial" panose="020B0604020202020204" pitchFamily="34" charset="0"/>
-              <a:buChar char="•"/>
-            </a:pPr>
-            <a:r>
-              <a:rPr lang="en-US" sz="2400" dirty="0">
-                <a:solidFill>
-                  <a:schemeClr val="bg1"/>
-                </a:solidFill>
-              </a:rPr>
-              <a:t>Map of my city with Restaurant results</a:t>
-            </a:r>
-          </a:p>
-        </p:txBody>
-      </p:sp>
+      </p:pic>
     </p:spTree>
     <p:extLst>
       <p:ext uri="{BB962C8B-B14F-4D97-AF65-F5344CB8AC3E}">
-        <p14:creationId xmlns:p14="http://schemas.microsoft.com/office/powerpoint/2010/main" val="636312775"/>
+        <p14:creationId xmlns:p14="http://schemas.microsoft.com/office/powerpoint/2010/main" val="1609303345"/>
       </p:ext>
     </p:extLst>
   </p:cSld>
